--- a/NRMK_Indy7/NRMK_Indy7 manual.pptx
+++ b/NRMK_Indy7/NRMK_Indy7 manual.pptx
@@ -5,41 +5,39 @@
     <p:sldMasterId id="2147483648" r:id="rId1"/>
   </p:sldMasterIdLst>
   <p:notesMasterIdLst>
-    <p:notesMasterId r:id="rId11"/>
+    <p:notesMasterId r:id="rId9"/>
   </p:notesMasterIdLst>
   <p:handoutMasterIdLst>
-    <p:handoutMasterId r:id="rId12"/>
+    <p:handoutMasterId r:id="rId10"/>
   </p:handoutMasterIdLst>
   <p:sldIdLst>
     <p:sldId id="256" r:id="rId2"/>
-    <p:sldId id="344" r:id="rId3"/>
-    <p:sldId id="340" r:id="rId4"/>
-    <p:sldId id="341" r:id="rId5"/>
-    <p:sldId id="345" r:id="rId6"/>
-    <p:sldId id="339" r:id="rId7"/>
-    <p:sldId id="346" r:id="rId8"/>
-    <p:sldId id="347" r:id="rId9"/>
-    <p:sldId id="348" r:id="rId10"/>
+    <p:sldId id="334" r:id="rId3"/>
+    <p:sldId id="344" r:id="rId4"/>
+    <p:sldId id="340" r:id="rId5"/>
+    <p:sldId id="343" r:id="rId6"/>
+    <p:sldId id="346" r:id="rId7"/>
+    <p:sldId id="339" r:id="rId8"/>
   </p:sldIdLst>
   <p:sldSz cx="12192000" cy="6858000"/>
   <p:notesSz cx="6858000" cy="9144000"/>
   <p:embeddedFontLst>
     <p:embeddedFont>
       <p:font typeface="나눔스퀘어" panose="020B0600000101010101" pitchFamily="50" charset="-127"/>
-      <p:regular r:id="rId13"/>
+      <p:regular r:id="rId11"/>
     </p:embeddedFont>
     <p:embeddedFont>
       <p:font typeface="나눔스퀘어 Bold" panose="020B0600000101010101" pitchFamily="50" charset="-127"/>
-      <p:bold r:id="rId14"/>
+      <p:bold r:id="rId12"/>
     </p:embeddedFont>
     <p:embeddedFont>
       <p:font typeface="나눔스퀘어 ExtraBold" panose="020B0600000101010101" pitchFamily="50" charset="-127"/>
-      <p:bold r:id="rId15"/>
+      <p:bold r:id="rId13"/>
     </p:embeddedFont>
     <p:embeddedFont>
       <p:font typeface="맑은 고딕" panose="020B0503020000020004" pitchFamily="50" charset="-127"/>
-      <p:regular r:id="rId16"/>
-      <p:bold r:id="rId17"/>
+      <p:regular r:id="rId14"/>
+      <p:bold r:id="rId15"/>
     </p:embeddedFont>
   </p:embeddedFontLst>
   <p:defaultTextStyle>
@@ -242,7 +240,7 @@
           <a:p>
             <a:fld id="{83305C13-85E8-4253-B844-2B9B2AB2A624}" type="datetimeFigureOut">
               <a:rPr lang="ko-KR" altLang="en-US" smtClean="0"/>
-              <a:t>2024-05-20</a:t>
+              <a:t>2024-05-21</a:t>
             </a:fld>
             <a:endParaRPr lang="ko-KR" altLang="en-US"/>
           </a:p>
@@ -382,7 +380,7 @@
           <a:p>
             <a:fld id="{B3649AE7-B88E-4327-822E-9F535C79CB92}" type="datetimeFigureOut">
               <a:rPr lang="ko-KR" altLang="en-US" smtClean="0"/>
-              <a:t>2024-05-20</a:t>
+              <a:t>2024-05-21</a:t>
             </a:fld>
             <a:endParaRPr lang="ko-KR" altLang="en-US"/>
           </a:p>
@@ -810,7 +808,7 @@
     </p:spTree>
     <p:extLst>
       <p:ext uri="{BB962C8B-B14F-4D97-AF65-F5344CB8AC3E}">
-        <p14:creationId xmlns:p14="http://schemas.microsoft.com/office/powerpoint/2010/main" val="852893406"/>
+        <p14:creationId xmlns:p14="http://schemas.microsoft.com/office/powerpoint/2010/main" val="307763340"/>
       </p:ext>
     </p:extLst>
   </p:cSld>
@@ -894,7 +892,7 @@
     </p:spTree>
     <p:extLst>
       <p:ext uri="{BB962C8B-B14F-4D97-AF65-F5344CB8AC3E}">
-        <p14:creationId xmlns:p14="http://schemas.microsoft.com/office/powerpoint/2010/main" val="1630195975"/>
+        <p14:creationId xmlns:p14="http://schemas.microsoft.com/office/powerpoint/2010/main" val="852893406"/>
       </p:ext>
     </p:extLst>
   </p:cSld>
@@ -978,7 +976,7 @@
     </p:spTree>
     <p:extLst>
       <p:ext uri="{BB962C8B-B14F-4D97-AF65-F5344CB8AC3E}">
-        <p14:creationId xmlns:p14="http://schemas.microsoft.com/office/powerpoint/2010/main" val="3222219429"/>
+        <p14:creationId xmlns:p14="http://schemas.microsoft.com/office/powerpoint/2010/main" val="1630195975"/>
       </p:ext>
     </p:extLst>
   </p:cSld>
@@ -1062,7 +1060,7 @@
     </p:spTree>
     <p:extLst>
       <p:ext uri="{BB962C8B-B14F-4D97-AF65-F5344CB8AC3E}">
-        <p14:creationId xmlns:p14="http://schemas.microsoft.com/office/powerpoint/2010/main" val="3175939075"/>
+        <p14:creationId xmlns:p14="http://schemas.microsoft.com/office/powerpoint/2010/main" val="1202834365"/>
       </p:ext>
     </p:extLst>
   </p:cSld>
@@ -1146,7 +1144,7 @@
     </p:spTree>
     <p:extLst>
       <p:ext uri="{BB962C8B-B14F-4D97-AF65-F5344CB8AC3E}">
-        <p14:creationId xmlns:p14="http://schemas.microsoft.com/office/powerpoint/2010/main" val="901473657"/>
+        <p14:creationId xmlns:p14="http://schemas.microsoft.com/office/powerpoint/2010/main" val="3175939075"/>
       </p:ext>
     </p:extLst>
   </p:cSld>
@@ -1230,91 +1228,7 @@
     </p:spTree>
     <p:extLst>
       <p:ext uri="{BB962C8B-B14F-4D97-AF65-F5344CB8AC3E}">
-        <p14:creationId xmlns:p14="http://schemas.microsoft.com/office/powerpoint/2010/main" val="2349247130"/>
-      </p:ext>
-    </p:extLst>
-  </p:cSld>
-  <p:clrMapOvr>
-    <a:masterClrMapping/>
-  </p:clrMapOvr>
-</p:notes>
-</file>
-
-<file path=ppt/notesSlides/notesSlide8.xml><?xml version="1.0" encoding="utf-8"?>
-<p:notes xmlns:a="http://schemas.openxmlformats.org/drawingml/2006/main" xmlns:r="http://schemas.openxmlformats.org/officeDocument/2006/relationships" xmlns:p="http://schemas.openxmlformats.org/presentationml/2006/main">
-  <p:cSld>
-    <p:spTree>
-      <p:nvGrpSpPr>
-        <p:cNvPr id="1" name=""/>
-        <p:cNvGrpSpPr/>
-        <p:nvPr/>
-      </p:nvGrpSpPr>
-      <p:grpSpPr>
-        <a:xfrm>
-          <a:off x="0" y="0"/>
-          <a:ext cx="0" cy="0"/>
-          <a:chOff x="0" y="0"/>
-          <a:chExt cx="0" cy="0"/>
-        </a:xfrm>
-      </p:grpSpPr>
-      <p:sp>
-        <p:nvSpPr>
-          <p:cNvPr id="2" name="슬라이드 이미지 개체 틀 1"/>
-          <p:cNvSpPr>
-            <a:spLocks noGrp="1" noRot="1" noChangeAspect="1"/>
-          </p:cNvSpPr>
-          <p:nvPr>
-            <p:ph type="sldImg"/>
-          </p:nvPr>
-        </p:nvSpPr>
-        <p:spPr/>
-      </p:sp>
-      <p:sp>
-        <p:nvSpPr>
-          <p:cNvPr id="3" name="슬라이드 노트 개체 틀 2"/>
-          <p:cNvSpPr>
-            <a:spLocks noGrp="1"/>
-          </p:cNvSpPr>
-          <p:nvPr>
-            <p:ph type="body" idx="1"/>
-          </p:nvPr>
-        </p:nvSpPr>
-        <p:spPr/>
-        <p:txBody>
-          <a:bodyPr/>
-          <a:lstStyle/>
-          <a:p>
-            <a:endParaRPr lang="en-US" altLang="ko-KR" dirty="0"/>
-          </a:p>
-        </p:txBody>
-      </p:sp>
-      <p:sp>
-        <p:nvSpPr>
-          <p:cNvPr id="4" name="슬라이드 번호 개체 틀 3"/>
-          <p:cNvSpPr>
-            <a:spLocks noGrp="1"/>
-          </p:cNvSpPr>
-          <p:nvPr>
-            <p:ph type="sldNum" sz="quarter" idx="5"/>
-          </p:nvPr>
-        </p:nvSpPr>
-        <p:spPr/>
-        <p:txBody>
-          <a:bodyPr/>
-          <a:lstStyle/>
-          <a:p>
-            <a:fld id="{687F4DE4-F0F6-450A-AC5B-587401CDE67E}" type="slidenum">
-              <a:rPr lang="ko-KR" altLang="en-US" smtClean="0"/>
-              <a:t>8</a:t>
-            </a:fld>
-            <a:endParaRPr lang="ko-KR" altLang="en-US"/>
-          </a:p>
-        </p:txBody>
-      </p:sp>
-    </p:spTree>
-    <p:extLst>
-      <p:ext uri="{BB962C8B-B14F-4D97-AF65-F5344CB8AC3E}">
-        <p14:creationId xmlns:p14="http://schemas.microsoft.com/office/powerpoint/2010/main" val="2764488233"/>
+        <p14:creationId xmlns:p14="http://schemas.microsoft.com/office/powerpoint/2010/main" val="901473657"/>
       </p:ext>
     </p:extLst>
   </p:cSld>
@@ -1471,7 +1385,7 @@
           <a:p>
             <a:fld id="{9C20F624-6A04-429E-A666-C96C4A4F4840}" type="datetimeFigureOut">
               <a:rPr lang="ko-KR" altLang="en-US" smtClean="0"/>
-              <a:t>2024-05-20</a:t>
+              <a:t>2024-05-21</a:t>
             </a:fld>
             <a:endParaRPr lang="ko-KR" altLang="en-US"/>
           </a:p>
@@ -1747,7 +1661,7 @@
           <a:p>
             <a:fld id="{9C20F624-6A04-429E-A666-C96C4A4F4840}" type="datetimeFigureOut">
               <a:rPr lang="ko-KR" altLang="en-US" smtClean="0"/>
-              <a:t>2024-05-20</a:t>
+              <a:t>2024-05-21</a:t>
             </a:fld>
             <a:endParaRPr lang="ko-KR" altLang="en-US"/>
           </a:p>
@@ -1955,7 +1869,7 @@
           <a:p>
             <a:fld id="{9C20F624-6A04-429E-A666-C96C4A4F4840}" type="datetimeFigureOut">
               <a:rPr lang="ko-KR" altLang="en-US" smtClean="0"/>
-              <a:t>2024-05-20</a:t>
+              <a:t>2024-05-21</a:t>
             </a:fld>
             <a:endParaRPr lang="ko-KR" altLang="en-US"/>
           </a:p>
@@ -2153,7 +2067,7 @@
           <a:p>
             <a:fld id="{9C20F624-6A04-429E-A666-C96C4A4F4840}" type="datetimeFigureOut">
               <a:rPr lang="ko-KR" altLang="en-US" smtClean="0"/>
-              <a:t>2024-05-20</a:t>
+              <a:t>2024-05-21</a:t>
             </a:fld>
             <a:endParaRPr lang="ko-KR" altLang="en-US"/>
           </a:p>
@@ -2469,7 +2383,7 @@
           <a:p>
             <a:fld id="{9C20F624-6A04-429E-A666-C96C4A4F4840}" type="datetimeFigureOut">
               <a:rPr lang="ko-KR" altLang="en-US" smtClean="0"/>
-              <a:t>2024-05-20</a:t>
+              <a:t>2024-05-21</a:t>
             </a:fld>
             <a:endParaRPr lang="ko-KR" altLang="en-US"/>
           </a:p>
@@ -2734,7 +2648,7 @@
           <a:p>
             <a:fld id="{9C20F624-6A04-429E-A666-C96C4A4F4840}" type="datetimeFigureOut">
               <a:rPr lang="ko-KR" altLang="en-US" smtClean="0"/>
-              <a:t>2024-05-20</a:t>
+              <a:t>2024-05-21</a:t>
             </a:fld>
             <a:endParaRPr lang="ko-KR" altLang="en-US"/>
           </a:p>
@@ -3146,7 +3060,7 @@
           <a:p>
             <a:fld id="{9C20F624-6A04-429E-A666-C96C4A4F4840}" type="datetimeFigureOut">
               <a:rPr lang="ko-KR" altLang="en-US" smtClean="0"/>
-              <a:t>2024-05-20</a:t>
+              <a:t>2024-05-21</a:t>
             </a:fld>
             <a:endParaRPr lang="ko-KR" altLang="en-US"/>
           </a:p>
@@ -3287,7 +3201,7 @@
           <a:p>
             <a:fld id="{9C20F624-6A04-429E-A666-C96C4A4F4840}" type="datetimeFigureOut">
               <a:rPr lang="ko-KR" altLang="en-US" smtClean="0"/>
-              <a:t>2024-05-20</a:t>
+              <a:t>2024-05-21</a:t>
             </a:fld>
             <a:endParaRPr lang="ko-KR" altLang="en-US"/>
           </a:p>
@@ -3400,7 +3314,7 @@
           <a:p>
             <a:fld id="{9C20F624-6A04-429E-A666-C96C4A4F4840}" type="datetimeFigureOut">
               <a:rPr lang="ko-KR" altLang="en-US" smtClean="0"/>
-              <a:t>2024-05-20</a:t>
+              <a:t>2024-05-21</a:t>
             </a:fld>
             <a:endParaRPr lang="ko-KR" altLang="en-US"/>
           </a:p>
@@ -3711,7 +3625,7 @@
           <a:p>
             <a:fld id="{9C20F624-6A04-429E-A666-C96C4A4F4840}" type="datetimeFigureOut">
               <a:rPr lang="ko-KR" altLang="en-US" smtClean="0"/>
-              <a:t>2024-05-20</a:t>
+              <a:t>2024-05-21</a:t>
             </a:fld>
             <a:endParaRPr lang="ko-KR" altLang="en-US"/>
           </a:p>
@@ -3999,7 +3913,7 @@
           <a:p>
             <a:fld id="{9C20F624-6A04-429E-A666-C96C4A4F4840}" type="datetimeFigureOut">
               <a:rPr lang="ko-KR" altLang="en-US" smtClean="0"/>
-              <a:t>2024-05-20</a:t>
+              <a:t>2024-05-21</a:t>
             </a:fld>
             <a:endParaRPr lang="ko-KR" altLang="en-US"/>
           </a:p>
@@ -4240,7 +4154,7 @@
           <a:p>
             <a:fld id="{9C20F624-6A04-429E-A666-C96C4A4F4840}" type="datetimeFigureOut">
               <a:rPr lang="ko-KR" altLang="en-US" smtClean="0"/>
-              <a:t>2024-05-20</a:t>
+              <a:t>2024-05-21</a:t>
             </a:fld>
             <a:endParaRPr lang="ko-KR" altLang="en-US"/>
           </a:p>
@@ -4990,7 +4904,7 @@
                 <a:latin typeface="나눔스퀘어 ExtraBold" panose="020B0600000101010101" pitchFamily="50" charset="-127"/>
                 <a:ea typeface="나눔스퀘어 ExtraBold" panose="020B0600000101010101" pitchFamily="50" charset="-127"/>
               </a:rPr>
-              <a:t>1) Anaconda</a:t>
+              <a:t>1) Visual Studio C++ Build Tools </a:t>
             </a:r>
           </a:p>
         </p:txBody>
@@ -5036,7 +4950,21 @@
                 <a:latin typeface="나눔스퀘어" panose="020B0600000101010101" pitchFamily="50" charset="-127"/>
                 <a:ea typeface="나눔스퀘어" panose="020B0600000101010101" pitchFamily="50" charset="-127"/>
               </a:rPr>
-              <a:t>① Install anaconda from </a:t>
+              <a:t>① Install </a:t>
+            </a:r>
+            <a:r>
+              <a:rPr lang="en-US" altLang="ko-KR" sz="1400" dirty="0" err="1">
+                <a:latin typeface="나눔스퀘어" panose="020B0600000101010101" pitchFamily="50" charset="-127"/>
+                <a:ea typeface="나눔스퀘어" panose="020B0600000101010101" pitchFamily="50" charset="-127"/>
+              </a:rPr>
+              <a:t>buildtools</a:t>
+            </a:r>
+            <a:r>
+              <a:rPr lang="en-US" altLang="ko-KR" sz="1400" dirty="0">
+                <a:latin typeface="나눔스퀘어" panose="020B0600000101010101" pitchFamily="50" charset="-127"/>
+                <a:ea typeface="나눔스퀘어" panose="020B0600000101010101" pitchFamily="50" charset="-127"/>
+              </a:rPr>
+              <a:t> from </a:t>
             </a:r>
             <a:r>
               <a:rPr lang="en-US" altLang="ko-KR" sz="1400" dirty="0">
@@ -5044,21 +4972,24 @@
                 <a:ea typeface="나눔스퀘어" panose="020B0600000101010101" pitchFamily="50" charset="-127"/>
                 <a:hlinkClick r:id="rId3"/>
               </a:rPr>
-              <a:t>https://www.anaconda.com/</a:t>
-            </a:r>
-            <a:endParaRPr lang="en-US" altLang="ko-KR" sz="1400" dirty="0">
-              <a:latin typeface="나눔스퀘어" panose="020B0600000101010101" pitchFamily="50" charset="-127"/>
-              <a:ea typeface="나눔스퀘어" panose="020B0600000101010101" pitchFamily="50" charset="-127"/>
-            </a:endParaRPr>
+              <a:t>https://aka.ms/vs/17/release/vs_BuildTools.exe</a:t>
+            </a:r>
+            <a:r>
+              <a:rPr lang="en-US" altLang="ko-KR" sz="1400" dirty="0">
+                <a:latin typeface="나눔스퀘어" panose="020B0600000101010101" pitchFamily="50" charset="-127"/>
+                <a:ea typeface="나눔스퀘어" panose="020B0600000101010101" pitchFamily="50" charset="-127"/>
+              </a:rPr>
+              <a:t> </a:t>
+            </a:r>
           </a:p>
         </p:txBody>
       </p:sp>
       <p:pic>
         <p:nvPicPr>
-          <p:cNvPr id="8" name="그림 7">
-            <a:extLst>
-              <a:ext uri="{FF2B5EF4-FFF2-40B4-BE49-F238E27FC236}">
-                <a16:creationId xmlns:a16="http://schemas.microsoft.com/office/drawing/2014/main" id="{A4E3BE2B-9970-47C7-AA70-C411D8943B23}"/>
+          <p:cNvPr id="2" name="그림 1">
+            <a:extLst>
+              <a:ext uri="{FF2B5EF4-FFF2-40B4-BE49-F238E27FC236}">
+                <a16:creationId xmlns:a16="http://schemas.microsoft.com/office/drawing/2014/main" id="{F9A29280-8105-4954-97F0-36C94B16EF80}"/>
               </a:ext>
             </a:extLst>
           </p:cNvPr>
@@ -5075,8 +5006,8 @@
         </p:blipFill>
         <p:spPr>
           <a:xfrm>
-            <a:off x="2204255" y="2226577"/>
-            <a:ext cx="7131769" cy="3750189"/>
+            <a:off x="2442321" y="2305886"/>
+            <a:ext cx="7443536" cy="4186989"/>
           </a:xfrm>
           <a:prstGeom prst="rect">
             <a:avLst/>
@@ -5085,10 +5016,10 @@
       </p:pic>
       <p:sp>
         <p:nvSpPr>
-          <p:cNvPr id="9" name="직사각형 8">
-            <a:extLst>
-              <a:ext uri="{FF2B5EF4-FFF2-40B4-BE49-F238E27FC236}">
-                <a16:creationId xmlns:a16="http://schemas.microsoft.com/office/drawing/2014/main" id="{A0756DD9-9F6D-4896-B199-30FF64015D9E}"/>
+          <p:cNvPr id="11" name="직사각형 10">
+            <a:extLst>
+              <a:ext uri="{FF2B5EF4-FFF2-40B4-BE49-F238E27FC236}">
+                <a16:creationId xmlns:a16="http://schemas.microsoft.com/office/drawing/2014/main" id="{805345CD-32B2-4F62-9069-C59B32A2907B}"/>
               </a:ext>
             </a:extLst>
           </p:cNvPr>
@@ -5097,8 +5028,8 @@
         </p:nvSpPr>
         <p:spPr>
           <a:xfrm>
-            <a:off x="5961888" y="4032504"/>
-            <a:ext cx="1581912" cy="658368"/>
+            <a:off x="2665235" y="3099815"/>
+            <a:ext cx="2448186" cy="714195"/>
           </a:xfrm>
           <a:prstGeom prst="rect">
             <a:avLst/>
@@ -5138,10 +5069,10 @@
       </p:sp>
       <p:sp>
         <p:nvSpPr>
-          <p:cNvPr id="10" name="직사각형 9">
-            <a:extLst>
-              <a:ext uri="{FF2B5EF4-FFF2-40B4-BE49-F238E27FC236}">
-                <a16:creationId xmlns:a16="http://schemas.microsoft.com/office/drawing/2014/main" id="{B643BD03-681F-436D-B3D8-B5373522018E}"/>
+          <p:cNvPr id="12" name="직사각형 11">
+            <a:extLst>
+              <a:ext uri="{FF2B5EF4-FFF2-40B4-BE49-F238E27FC236}">
+                <a16:creationId xmlns:a16="http://schemas.microsoft.com/office/drawing/2014/main" id="{9B034173-C16C-471D-B887-99B70B33BD71}"/>
               </a:ext>
             </a:extLst>
           </p:cNvPr>
@@ -5150,41 +5081,49 @@
         </p:nvSpPr>
         <p:spPr>
           <a:xfrm>
-            <a:off x="7543800" y="4177022"/>
-            <a:ext cx="394660" cy="369332"/>
+            <a:off x="7786678" y="2951753"/>
+            <a:ext cx="1963001" cy="2570742"/>
           </a:xfrm>
           <a:prstGeom prst="rect">
             <a:avLst/>
           </a:prstGeom>
-        </p:spPr>
-        <p:txBody>
-          <a:bodyPr wrap="none">
-            <a:spAutoFit/>
-          </a:bodyPr>
-          <a:lstStyle/>
-          <a:p>
-            <a:r>
-              <a:rPr lang="en-US" altLang="ko-KR" dirty="0">
-                <a:solidFill>
-                  <a:srgbClr val="FF0000"/>
-                </a:solidFill>
-                <a:latin typeface="나눔스퀘어 Bold" panose="020B0600000101010101" pitchFamily="50" charset="-127"/>
-                <a:ea typeface="나눔스퀘어 Bold" panose="020B0600000101010101" pitchFamily="50" charset="-127"/>
-              </a:rPr>
-              <a:t>①</a:t>
-            </a:r>
-            <a:endParaRPr lang="ko-KR" altLang="en-US" dirty="0">
-              <a:solidFill>
-                <a:srgbClr val="FF0000"/>
-              </a:solidFill>
-            </a:endParaRPr>
+          <a:noFill/>
+          <a:ln w="38100">
+            <a:solidFill>
+              <a:srgbClr val="FF0000"/>
+            </a:solidFill>
+            <a:prstDash val="sysDash"/>
+          </a:ln>
+        </p:spPr>
+        <p:style>
+          <a:lnRef idx="2">
+            <a:schemeClr val="accent1">
+              <a:shade val="50000"/>
+            </a:schemeClr>
+          </a:lnRef>
+          <a:fillRef idx="1">
+            <a:schemeClr val="accent1"/>
+          </a:fillRef>
+          <a:effectRef idx="0">
+            <a:schemeClr val="accent1"/>
+          </a:effectRef>
+          <a:fontRef idx="minor">
+            <a:schemeClr val="lt1"/>
+          </a:fontRef>
+        </p:style>
+        <p:txBody>
+          <a:bodyPr rtlCol="0" anchor="ctr"/>
+          <a:lstStyle/>
+          <a:p>
+            <a:pPr algn="ctr"/>
+            <a:endParaRPr lang="ko-KR" altLang="en-US"/>
           </a:p>
         </p:txBody>
       </p:sp>
     </p:spTree>
     <p:extLst>
       <p:ext uri="{BB962C8B-B14F-4D97-AF65-F5344CB8AC3E}">
-        <p14:creationId xmlns:p14="http://schemas.microsoft.com/office/powerpoint/2010/main" val="4008276464"/>
+        <p14:creationId xmlns:p14="http://schemas.microsoft.com/office/powerpoint/2010/main" val="3332868037"/>
       </p:ext>
     </p:extLst>
   </p:cSld>
@@ -5211,36 +5150,6 @@
           <a:chExt cx="0" cy="0"/>
         </a:xfrm>
       </p:grpSpPr>
-      <p:pic>
-        <p:nvPicPr>
-          <p:cNvPr id="2" name="그림 1">
-            <a:extLst>
-              <a:ext uri="{FF2B5EF4-FFF2-40B4-BE49-F238E27FC236}">
-                <a16:creationId xmlns:a16="http://schemas.microsoft.com/office/drawing/2014/main" id="{9DE32FEC-6B1D-46CA-B1D2-52991EAC9C7F}"/>
-              </a:ext>
-            </a:extLst>
-          </p:cNvPr>
-          <p:cNvPicPr>
-            <a:picLocks noChangeAspect="1"/>
-          </p:cNvPicPr>
-          <p:nvPr/>
-        </p:nvPicPr>
-        <p:blipFill>
-          <a:blip r:embed="rId3"/>
-          <a:stretch>
-            <a:fillRect/>
-          </a:stretch>
-        </p:blipFill>
-        <p:spPr>
-          <a:xfrm>
-            <a:off x="5497966" y="2472018"/>
-            <a:ext cx="5668049" cy="2386991"/>
-          </a:xfrm>
-          <a:prstGeom prst="rect">
-            <a:avLst/>
-          </a:prstGeom>
-        </p:spPr>
-      </p:pic>
       <p:sp>
         <p:nvSpPr>
           <p:cNvPr id="4" name="슬라이드 번호 개체 틀 1">
@@ -5420,17 +5329,29 @@
                 <a:latin typeface="나눔스퀘어" panose="020B0600000101010101" pitchFamily="50" charset="-127"/>
                 <a:ea typeface="나눔스퀘어" panose="020B0600000101010101" pitchFamily="50" charset="-127"/>
               </a:rPr>
-              <a:t>② Open anaconda prompt, and create new environment</a:t>
-            </a:r>
+              <a:t>① Install anaconda from </a:t>
+            </a:r>
+            <a:r>
+              <a:rPr lang="en-US" altLang="ko-KR" sz="1400" dirty="0">
+                <a:latin typeface="나눔스퀘어" panose="020B0600000101010101" pitchFamily="50" charset="-127"/>
+                <a:ea typeface="나눔스퀘어" panose="020B0600000101010101" pitchFamily="50" charset="-127"/>
+                <a:hlinkClick r:id="rId3"/>
+              </a:rPr>
+              <a:t>https://www.anaconda.com/</a:t>
+            </a:r>
+            <a:endParaRPr lang="en-US" altLang="ko-KR" sz="1400" dirty="0">
+              <a:latin typeface="나눔스퀘어" panose="020B0600000101010101" pitchFamily="50" charset="-127"/>
+              <a:ea typeface="나눔스퀘어" panose="020B0600000101010101" pitchFamily="50" charset="-127"/>
+            </a:endParaRPr>
           </a:p>
         </p:txBody>
       </p:sp>
       <p:pic>
         <p:nvPicPr>
-          <p:cNvPr id="3" name="그림 2">
-            <a:extLst>
-              <a:ext uri="{FF2B5EF4-FFF2-40B4-BE49-F238E27FC236}">
-                <a16:creationId xmlns:a16="http://schemas.microsoft.com/office/drawing/2014/main" id="{FD10C5AD-9271-4A87-B06D-595D64615EA7}"/>
+          <p:cNvPr id="8" name="그림 7">
+            <a:extLst>
+              <a:ext uri="{FF2B5EF4-FFF2-40B4-BE49-F238E27FC236}">
+                <a16:creationId xmlns:a16="http://schemas.microsoft.com/office/drawing/2014/main" id="{A4E3BE2B-9970-47C7-AA70-C411D8943B23}"/>
               </a:ext>
             </a:extLst>
           </p:cNvPr>
@@ -5447,8 +5368,8 @@
         </p:blipFill>
         <p:spPr>
           <a:xfrm>
-            <a:off x="726719" y="2584495"/>
-            <a:ext cx="3277057" cy="2857899"/>
+            <a:off x="2204255" y="2226577"/>
+            <a:ext cx="7131769" cy="3750189"/>
           </a:xfrm>
           <a:prstGeom prst="rect">
             <a:avLst/>
@@ -5469,8 +5390,8 @@
         </p:nvSpPr>
         <p:spPr>
           <a:xfrm>
-            <a:off x="726719" y="2565292"/>
-            <a:ext cx="3277056" cy="658368"/>
+            <a:off x="5961888" y="4032504"/>
+            <a:ext cx="1581912" cy="658368"/>
           </a:xfrm>
           <a:prstGeom prst="rect">
             <a:avLst/>
@@ -5522,7 +5443,7 @@
         </p:nvSpPr>
         <p:spPr>
           <a:xfrm>
-            <a:off x="4003775" y="2709810"/>
+            <a:off x="7543800" y="4177022"/>
             <a:ext cx="394660" cy="369332"/>
           </a:xfrm>
           <a:prstGeom prst="rect">
@@ -5553,199 +5474,10 @@
           </a:p>
         </p:txBody>
       </p:sp>
-      <p:sp>
-        <p:nvSpPr>
-          <p:cNvPr id="12" name="직사각형 11">
-            <a:extLst>
-              <a:ext uri="{FF2B5EF4-FFF2-40B4-BE49-F238E27FC236}">
-                <a16:creationId xmlns:a16="http://schemas.microsoft.com/office/drawing/2014/main" id="{B46FAD82-BE57-4CD3-94D8-BFCE8C77967E}"/>
-              </a:ext>
-            </a:extLst>
-          </p:cNvPr>
-          <p:cNvSpPr/>
-          <p:nvPr/>
-        </p:nvSpPr>
-        <p:spPr>
-          <a:xfrm>
-            <a:off x="5497966" y="2759600"/>
-            <a:ext cx="4414130" cy="349858"/>
-          </a:xfrm>
-          <a:prstGeom prst="rect">
-            <a:avLst/>
-          </a:prstGeom>
-          <a:noFill/>
-          <a:ln w="38100">
-            <a:solidFill>
-              <a:srgbClr val="FF0000"/>
-            </a:solidFill>
-            <a:prstDash val="sysDash"/>
-          </a:ln>
-        </p:spPr>
-        <p:style>
-          <a:lnRef idx="2">
-            <a:schemeClr val="accent1">
-              <a:shade val="50000"/>
-            </a:schemeClr>
-          </a:lnRef>
-          <a:fillRef idx="1">
-            <a:schemeClr val="accent1"/>
-          </a:fillRef>
-          <a:effectRef idx="0">
-            <a:schemeClr val="accent1"/>
-          </a:effectRef>
-          <a:fontRef idx="minor">
-            <a:schemeClr val="lt1"/>
-          </a:fontRef>
-        </p:style>
-        <p:txBody>
-          <a:bodyPr rtlCol="0" anchor="ctr"/>
-          <a:lstStyle/>
-          <a:p>
-            <a:pPr algn="ctr"/>
-            <a:endParaRPr lang="ko-KR" altLang="en-US"/>
-          </a:p>
-        </p:txBody>
-      </p:sp>
-      <p:sp>
-        <p:nvSpPr>
-          <p:cNvPr id="13" name="직사각형 12">
-            <a:extLst>
-              <a:ext uri="{FF2B5EF4-FFF2-40B4-BE49-F238E27FC236}">
-                <a16:creationId xmlns:a16="http://schemas.microsoft.com/office/drawing/2014/main" id="{01194067-297C-4BF3-9F21-359FDAA5FC21}"/>
-              </a:ext>
-            </a:extLst>
-          </p:cNvPr>
-          <p:cNvSpPr/>
-          <p:nvPr/>
-        </p:nvSpPr>
-        <p:spPr>
-          <a:xfrm>
-            <a:off x="9912096" y="2744770"/>
-            <a:ext cx="394660" cy="369332"/>
-          </a:xfrm>
-          <a:prstGeom prst="rect">
-            <a:avLst/>
-          </a:prstGeom>
-        </p:spPr>
-        <p:txBody>
-          <a:bodyPr wrap="none">
-            <a:spAutoFit/>
-          </a:bodyPr>
-          <a:lstStyle/>
-          <a:p>
-            <a:r>
-              <a:rPr lang="en-US" altLang="ko-KR" dirty="0">
-                <a:solidFill>
-                  <a:srgbClr val="FF0000"/>
-                </a:solidFill>
-                <a:latin typeface="나눔스퀘어 Bold" panose="020B0600000101010101" pitchFamily="50" charset="-127"/>
-                <a:ea typeface="나눔스퀘어 Bold" panose="020B0600000101010101" pitchFamily="50" charset="-127"/>
-              </a:rPr>
-              <a:t>②</a:t>
-            </a:r>
-            <a:endParaRPr lang="ko-KR" altLang="en-US" dirty="0">
-              <a:solidFill>
-                <a:srgbClr val="FF0000"/>
-              </a:solidFill>
-            </a:endParaRPr>
-          </a:p>
-        </p:txBody>
-      </p:sp>
-      <p:sp>
-        <p:nvSpPr>
-          <p:cNvPr id="15" name="사각형: 둥근 모서리 14">
-            <a:extLst>
-              <a:ext uri="{FF2B5EF4-FFF2-40B4-BE49-F238E27FC236}">
-                <a16:creationId xmlns:a16="http://schemas.microsoft.com/office/drawing/2014/main" id="{3AB03E41-0BBE-4E16-A34E-669132FF0BB6}"/>
-              </a:ext>
-            </a:extLst>
-          </p:cNvPr>
-          <p:cNvSpPr/>
-          <p:nvPr/>
-        </p:nvSpPr>
-        <p:spPr>
-          <a:xfrm>
-            <a:off x="5497966" y="5286639"/>
-            <a:ext cx="5380518" cy="794335"/>
-          </a:xfrm>
-          <a:prstGeom prst="roundRect">
-            <a:avLst/>
-          </a:prstGeom>
-          <a:solidFill>
-            <a:schemeClr val="bg1">
-              <a:lumMod val="95000"/>
-            </a:schemeClr>
-          </a:solidFill>
-          <a:ln w="28575">
-            <a:solidFill>
-              <a:schemeClr val="tx1"/>
-            </a:solidFill>
-          </a:ln>
-        </p:spPr>
-        <p:style>
-          <a:lnRef idx="2">
-            <a:schemeClr val="accent1">
-              <a:shade val="50000"/>
-            </a:schemeClr>
-          </a:lnRef>
-          <a:fillRef idx="1">
-            <a:schemeClr val="accent1"/>
-          </a:fillRef>
-          <a:effectRef idx="0">
-            <a:schemeClr val="accent1"/>
-          </a:effectRef>
-          <a:fontRef idx="minor">
-            <a:schemeClr val="lt1"/>
-          </a:fontRef>
-        </p:style>
-        <p:txBody>
-          <a:bodyPr rtlCol="0" anchor="ctr"/>
-          <a:lstStyle/>
-          <a:p>
-            <a:r>
-              <a:rPr lang="en-US" altLang="ko-KR" sz="1400" dirty="0">
-                <a:solidFill>
-                  <a:schemeClr val="tx1"/>
-                </a:solidFill>
-                <a:latin typeface="나눔스퀘어" panose="020B0600000101010101" pitchFamily="50" charset="-127"/>
-                <a:ea typeface="나눔스퀘어" panose="020B0600000101010101" pitchFamily="50" charset="-127"/>
-              </a:rPr>
-              <a:t>&gt;</a:t>
-            </a:r>
-            <a:r>
-              <a:rPr lang="en-US" altLang="ko-KR" sz="1400" dirty="0" err="1">
-                <a:solidFill>
-                  <a:schemeClr val="tx1"/>
-                </a:solidFill>
-                <a:latin typeface="나눔스퀘어" panose="020B0600000101010101" pitchFamily="50" charset="-127"/>
-                <a:ea typeface="나눔스퀘어" panose="020B0600000101010101" pitchFamily="50" charset="-127"/>
-              </a:rPr>
-              <a:t>conda</a:t>
-            </a:r>
-            <a:r>
-              <a:rPr lang="en-US" altLang="ko-KR" sz="1400" dirty="0">
-                <a:solidFill>
-                  <a:schemeClr val="tx1"/>
-                </a:solidFill>
-                <a:latin typeface="나눔스퀘어" panose="020B0600000101010101" pitchFamily="50" charset="-127"/>
-                <a:ea typeface="나눔스퀘어" panose="020B0600000101010101" pitchFamily="50" charset="-127"/>
-              </a:rPr>
-              <a:t> create -n [env name] python=3.8</a:t>
-            </a:r>
-            <a:endParaRPr lang="ko-KR" altLang="en-US" sz="1400" dirty="0">
-              <a:solidFill>
-                <a:schemeClr val="tx1"/>
-              </a:solidFill>
-              <a:latin typeface="나눔스퀘어" panose="020B0600000101010101" pitchFamily="50" charset="-127"/>
-              <a:ea typeface="나눔스퀘어" panose="020B0600000101010101" pitchFamily="50" charset="-127"/>
-            </a:endParaRPr>
-          </a:p>
-        </p:txBody>
-      </p:sp>
     </p:spTree>
     <p:extLst>
       <p:ext uri="{BB962C8B-B14F-4D97-AF65-F5344CB8AC3E}">
-        <p14:creationId xmlns:p14="http://schemas.microsoft.com/office/powerpoint/2010/main" val="1611100715"/>
+        <p14:creationId xmlns:p14="http://schemas.microsoft.com/office/powerpoint/2010/main" val="4008276464"/>
       </p:ext>
     </p:extLst>
   </p:cSld>
@@ -5774,10 +5506,10 @@
       </p:grpSpPr>
       <p:pic>
         <p:nvPicPr>
-          <p:cNvPr id="3" name="그림 2">
-            <a:extLst>
-              <a:ext uri="{FF2B5EF4-FFF2-40B4-BE49-F238E27FC236}">
-                <a16:creationId xmlns:a16="http://schemas.microsoft.com/office/drawing/2014/main" id="{91A11044-FC0A-48DB-B624-CD14AAB820C1}"/>
+          <p:cNvPr id="2" name="그림 1">
+            <a:extLst>
+              <a:ext uri="{FF2B5EF4-FFF2-40B4-BE49-F238E27FC236}">
+                <a16:creationId xmlns:a16="http://schemas.microsoft.com/office/drawing/2014/main" id="{9DE32FEC-6B1D-46CA-B1D2-52991EAC9C7F}"/>
               </a:ext>
             </a:extLst>
           </p:cNvPr>
@@ -5786,15 +5518,16 @@
           </p:cNvPicPr>
           <p:nvPr/>
         </p:nvPicPr>
-        <p:blipFill rotWithShape="1">
+        <p:blipFill>
           <a:blip r:embed="rId3"/>
-          <a:srcRect r="31937"/>
-          <a:stretch/>
+          <a:stretch>
+            <a:fillRect/>
+          </a:stretch>
         </p:blipFill>
         <p:spPr>
           <a:xfrm>
-            <a:off x="3917693" y="2299671"/>
-            <a:ext cx="4356614" cy="2695575"/>
+            <a:off x="5497966" y="2472018"/>
+            <a:ext cx="5668049" cy="2386991"/>
           </a:xfrm>
           <a:prstGeom prst="rect">
             <a:avLst/>
@@ -5980,11 +5713,41 @@
                 <a:latin typeface="나눔스퀘어" panose="020B0600000101010101" pitchFamily="50" charset="-127"/>
                 <a:ea typeface="나눔스퀘어" panose="020B0600000101010101" pitchFamily="50" charset="-127"/>
               </a:rPr>
-              <a:t>② Activate new environment</a:t>
-            </a:r>
-          </a:p>
-        </p:txBody>
-      </p:sp>
+              <a:t>② Open anaconda prompt, and create new environment</a:t>
+            </a:r>
+          </a:p>
+        </p:txBody>
+      </p:sp>
+      <p:pic>
+        <p:nvPicPr>
+          <p:cNvPr id="3" name="그림 2">
+            <a:extLst>
+              <a:ext uri="{FF2B5EF4-FFF2-40B4-BE49-F238E27FC236}">
+                <a16:creationId xmlns:a16="http://schemas.microsoft.com/office/drawing/2014/main" id="{FD10C5AD-9271-4A87-B06D-595D64615EA7}"/>
+              </a:ext>
+            </a:extLst>
+          </p:cNvPr>
+          <p:cNvPicPr>
+            <a:picLocks noChangeAspect="1"/>
+          </p:cNvPicPr>
+          <p:nvPr/>
+        </p:nvPicPr>
+        <p:blipFill>
+          <a:blip r:embed="rId4"/>
+          <a:stretch>
+            <a:fillRect/>
+          </a:stretch>
+        </p:blipFill>
+        <p:spPr>
+          <a:xfrm>
+            <a:off x="726719" y="2584495"/>
+            <a:ext cx="3277057" cy="2857899"/>
+          </a:xfrm>
+          <a:prstGeom prst="rect">
+            <a:avLst/>
+          </a:prstGeom>
+        </p:spPr>
+      </p:pic>
       <p:sp>
         <p:nvSpPr>
           <p:cNvPr id="9" name="직사각형 8">
@@ -5999,8 +5762,8 @@
         </p:nvSpPr>
         <p:spPr>
           <a:xfrm>
-            <a:off x="3917693" y="4316284"/>
-            <a:ext cx="4160740" cy="369332"/>
+            <a:off x="726719" y="2565292"/>
+            <a:ext cx="3277056" cy="658368"/>
           </a:xfrm>
           <a:prstGeom prst="rect">
             <a:avLst/>
@@ -6052,7 +5815,7 @@
         </p:nvSpPr>
         <p:spPr>
           <a:xfrm>
-            <a:off x="7791273" y="3870998"/>
+            <a:off x="4003775" y="2709810"/>
             <a:ext cx="394660" cy="369332"/>
           </a:xfrm>
           <a:prstGeom prst="rect">
@@ -6085,10 +5848,10 @@
       </p:sp>
       <p:sp>
         <p:nvSpPr>
-          <p:cNvPr id="15" name="사각형: 둥근 모서리 14">
-            <a:extLst>
-              <a:ext uri="{FF2B5EF4-FFF2-40B4-BE49-F238E27FC236}">
-                <a16:creationId xmlns:a16="http://schemas.microsoft.com/office/drawing/2014/main" id="{3AB03E41-0BBE-4E16-A34E-669132FF0BB6}"/>
+          <p:cNvPr id="12" name="직사각형 11">
+            <a:extLst>
+              <a:ext uri="{FF2B5EF4-FFF2-40B4-BE49-F238E27FC236}">
+                <a16:creationId xmlns:a16="http://schemas.microsoft.com/office/drawing/2014/main" id="{B46FAD82-BE57-4CD3-94D8-BFCE8C77967E}"/>
               </a:ext>
             </a:extLst>
           </p:cNvPr>
@@ -6097,21 +5860,18 @@
         </p:nvSpPr>
         <p:spPr>
           <a:xfrm>
-            <a:off x="3917693" y="5286639"/>
-            <a:ext cx="4160740" cy="794335"/>
-          </a:xfrm>
-          <a:prstGeom prst="roundRect">
+            <a:off x="5497966" y="2759600"/>
+            <a:ext cx="4414130" cy="349858"/>
+          </a:xfrm>
+          <a:prstGeom prst="rect">
             <a:avLst/>
           </a:prstGeom>
-          <a:solidFill>
-            <a:schemeClr val="bg1">
-              <a:lumMod val="95000"/>
-            </a:schemeClr>
-          </a:solidFill>
-          <a:ln w="28575">
+          <a:noFill/>
+          <a:ln w="38100">
             <a:solidFill>
-              <a:schemeClr val="tx1"/>
+              <a:srgbClr val="FF0000"/>
             </a:solidFill>
+            <a:prstDash val="sysDash"/>
           </a:ln>
         </p:spPr>
         <p:style>
@@ -6134,6 +5894,107 @@
           <a:bodyPr rtlCol="0" anchor="ctr"/>
           <a:lstStyle/>
           <a:p>
+            <a:pPr algn="ctr"/>
+            <a:endParaRPr lang="ko-KR" altLang="en-US"/>
+          </a:p>
+        </p:txBody>
+      </p:sp>
+      <p:sp>
+        <p:nvSpPr>
+          <p:cNvPr id="13" name="직사각형 12">
+            <a:extLst>
+              <a:ext uri="{FF2B5EF4-FFF2-40B4-BE49-F238E27FC236}">
+                <a16:creationId xmlns:a16="http://schemas.microsoft.com/office/drawing/2014/main" id="{01194067-297C-4BF3-9F21-359FDAA5FC21}"/>
+              </a:ext>
+            </a:extLst>
+          </p:cNvPr>
+          <p:cNvSpPr/>
+          <p:nvPr/>
+        </p:nvSpPr>
+        <p:spPr>
+          <a:xfrm>
+            <a:off x="9912096" y="2744770"/>
+            <a:ext cx="394660" cy="369332"/>
+          </a:xfrm>
+          <a:prstGeom prst="rect">
+            <a:avLst/>
+          </a:prstGeom>
+        </p:spPr>
+        <p:txBody>
+          <a:bodyPr wrap="none">
+            <a:spAutoFit/>
+          </a:bodyPr>
+          <a:lstStyle/>
+          <a:p>
+            <a:r>
+              <a:rPr lang="en-US" altLang="ko-KR" dirty="0">
+                <a:solidFill>
+                  <a:srgbClr val="FF0000"/>
+                </a:solidFill>
+                <a:latin typeface="나눔스퀘어 Bold" panose="020B0600000101010101" pitchFamily="50" charset="-127"/>
+                <a:ea typeface="나눔스퀘어 Bold" panose="020B0600000101010101" pitchFamily="50" charset="-127"/>
+              </a:rPr>
+              <a:t>②</a:t>
+            </a:r>
+            <a:endParaRPr lang="ko-KR" altLang="en-US" dirty="0">
+              <a:solidFill>
+                <a:srgbClr val="FF0000"/>
+              </a:solidFill>
+            </a:endParaRPr>
+          </a:p>
+        </p:txBody>
+      </p:sp>
+      <p:sp>
+        <p:nvSpPr>
+          <p:cNvPr id="15" name="사각형: 둥근 모서리 14">
+            <a:extLst>
+              <a:ext uri="{FF2B5EF4-FFF2-40B4-BE49-F238E27FC236}">
+                <a16:creationId xmlns:a16="http://schemas.microsoft.com/office/drawing/2014/main" id="{3AB03E41-0BBE-4E16-A34E-669132FF0BB6}"/>
+              </a:ext>
+            </a:extLst>
+          </p:cNvPr>
+          <p:cNvSpPr/>
+          <p:nvPr/>
+        </p:nvSpPr>
+        <p:spPr>
+          <a:xfrm>
+            <a:off x="5497966" y="5286639"/>
+            <a:ext cx="5380518" cy="794335"/>
+          </a:xfrm>
+          <a:prstGeom prst="roundRect">
+            <a:avLst/>
+          </a:prstGeom>
+          <a:solidFill>
+            <a:schemeClr val="bg1">
+              <a:lumMod val="95000"/>
+            </a:schemeClr>
+          </a:solidFill>
+          <a:ln w="28575">
+            <a:solidFill>
+              <a:schemeClr val="tx1"/>
+            </a:solidFill>
+          </a:ln>
+        </p:spPr>
+        <p:style>
+          <a:lnRef idx="2">
+            <a:schemeClr val="accent1">
+              <a:shade val="50000"/>
+            </a:schemeClr>
+          </a:lnRef>
+          <a:fillRef idx="1">
+            <a:schemeClr val="accent1"/>
+          </a:fillRef>
+          <a:effectRef idx="0">
+            <a:schemeClr val="accent1"/>
+          </a:effectRef>
+          <a:fontRef idx="minor">
+            <a:schemeClr val="lt1"/>
+          </a:fontRef>
+        </p:style>
+        <p:txBody>
+          <a:bodyPr rtlCol="0" anchor="ctr"/>
+          <a:lstStyle/>
+          <a:p>
             <a:r>
               <a:rPr lang="en-US" altLang="ko-KR" sz="1400" dirty="0">
                 <a:solidFill>
@@ -6162,7 +6023,7 @@
                 <a:latin typeface="나눔스퀘어" panose="020B0600000101010101" pitchFamily="50" charset="-127"/>
                 <a:ea typeface="나눔스퀘어" panose="020B0600000101010101" pitchFamily="50" charset="-127"/>
               </a:rPr>
-              <a:t> create activate [env name]</a:t>
+              <a:t> create -n [env name] python=3.8</a:t>
             </a:r>
             <a:endParaRPr lang="ko-KR" altLang="en-US" sz="1400" dirty="0">
               <a:solidFill>
@@ -6177,7 +6038,7 @@
     </p:spTree>
     <p:extLst>
       <p:ext uri="{BB962C8B-B14F-4D97-AF65-F5344CB8AC3E}">
-        <p14:creationId xmlns:p14="http://schemas.microsoft.com/office/powerpoint/2010/main" val="1725430397"/>
+        <p14:creationId xmlns:p14="http://schemas.microsoft.com/office/powerpoint/2010/main" val="1611100715"/>
       </p:ext>
     </p:extLst>
   </p:cSld>
@@ -6204,6 +6065,36 @@
           <a:chExt cx="0" cy="0"/>
         </a:xfrm>
       </p:grpSpPr>
+      <p:pic>
+        <p:nvPicPr>
+          <p:cNvPr id="3" name="그림 2">
+            <a:extLst>
+              <a:ext uri="{FF2B5EF4-FFF2-40B4-BE49-F238E27FC236}">
+                <a16:creationId xmlns:a16="http://schemas.microsoft.com/office/drawing/2014/main" id="{C3B71EB5-1502-4CFF-99C7-8F1BE447B1AE}"/>
+              </a:ext>
+            </a:extLst>
+          </p:cNvPr>
+          <p:cNvPicPr>
+            <a:picLocks noChangeAspect="1"/>
+          </p:cNvPicPr>
+          <p:nvPr/>
+        </p:nvPicPr>
+        <p:blipFill>
+          <a:blip r:embed="rId3"/>
+          <a:stretch>
+            <a:fillRect/>
+          </a:stretch>
+        </p:blipFill>
+        <p:spPr>
+          <a:xfrm>
+            <a:off x="2551425" y="2484351"/>
+            <a:ext cx="7225328" cy="4108520"/>
+          </a:xfrm>
+          <a:prstGeom prst="rect">
+            <a:avLst/>
+          </a:prstGeom>
+        </p:spPr>
+      </p:pic>
       <p:sp>
         <p:nvSpPr>
           <p:cNvPr id="4" name="슬라이드 번호 개체 틀 1">
@@ -6337,17 +6228,17 @@
                 <a:latin typeface="나눔스퀘어 ExtraBold" panose="020B0600000101010101" pitchFamily="50" charset="-127"/>
                 <a:ea typeface="나눔스퀘어 ExtraBold" panose="020B0600000101010101" pitchFamily="50" charset="-127"/>
               </a:rPr>
-              <a:t>3) Install required packages</a:t>
-            </a:r>
-          </a:p>
-        </p:txBody>
-      </p:sp>
-      <p:sp>
-        <p:nvSpPr>
-          <p:cNvPr id="14" name="사각형: 둥근 모서리 13">
-            <a:extLst>
-              <a:ext uri="{FF2B5EF4-FFF2-40B4-BE49-F238E27FC236}">
-                <a16:creationId xmlns:a16="http://schemas.microsoft.com/office/drawing/2014/main" id="{2F195E29-1599-4A50-A753-5ECE3B95B235}"/>
+              <a:t>3) Source Code</a:t>
+            </a:r>
+          </a:p>
+        </p:txBody>
+      </p:sp>
+      <p:sp>
+        <p:nvSpPr>
+          <p:cNvPr id="7" name="직사각형 6">
+            <a:extLst>
+              <a:ext uri="{FF2B5EF4-FFF2-40B4-BE49-F238E27FC236}">
+                <a16:creationId xmlns:a16="http://schemas.microsoft.com/office/drawing/2014/main" id="{B6C04EDA-1DB0-4D5E-B028-1DED9423823D}"/>
               </a:ext>
             </a:extLst>
           </p:cNvPr>
@@ -6356,21 +6247,79 @@
         </p:nvSpPr>
         <p:spPr>
           <a:xfrm>
-            <a:off x="794763" y="5541767"/>
-            <a:ext cx="6315900" cy="794335"/>
-          </a:xfrm>
-          <a:prstGeom prst="roundRect">
+            <a:off x="383828" y="1596446"/>
+            <a:ext cx="10782187" cy="384401"/>
+          </a:xfrm>
+          <a:prstGeom prst="rect">
             <a:avLst/>
           </a:prstGeom>
-          <a:solidFill>
-            <a:schemeClr val="bg1">
-              <a:lumMod val="95000"/>
-            </a:schemeClr>
-          </a:solidFill>
-          <a:ln w="28575">
+          <a:ln w="38100">
+            <a:noFill/>
+            <a:prstDash val="sysDash"/>
+          </a:ln>
+        </p:spPr>
+        <p:txBody>
+          <a:bodyPr wrap="square">
+            <a:spAutoFit/>
+          </a:bodyPr>
+          <a:lstStyle/>
+          <a:p>
+            <a:pPr>
+              <a:lnSpc>
+                <a:spcPct val="150000"/>
+              </a:lnSpc>
+            </a:pPr>
+            <a:r>
+              <a:rPr lang="en-US" altLang="ko-KR" sz="1400" dirty="0">
+                <a:latin typeface="나눔스퀘어" panose="020B0600000101010101" pitchFamily="50" charset="-127"/>
+                <a:ea typeface="나눔스퀘어" panose="020B0600000101010101" pitchFamily="50" charset="-127"/>
+              </a:rPr>
+              <a:t>① Download source code from </a:t>
+            </a:r>
+            <a:r>
+              <a:rPr lang="en-US" altLang="ko-KR" sz="1400" dirty="0">
+                <a:latin typeface="나눔스퀘어" panose="020B0600000101010101" pitchFamily="50" charset="-127"/>
+                <a:ea typeface="나눔스퀘어" panose="020B0600000101010101" pitchFamily="50" charset="-127"/>
+                <a:hlinkClick r:id="rId4"/>
+              </a:rPr>
+              <a:t>https://github.com/0LYS0/mech439_pybullet_framework</a:t>
+            </a:r>
+            <a:r>
+              <a:rPr lang="en-US" altLang="ko-KR" sz="1400" dirty="0">
+                <a:latin typeface="나눔스퀘어" panose="020B0600000101010101" pitchFamily="50" charset="-127"/>
+                <a:ea typeface="나눔스퀘어" panose="020B0600000101010101" pitchFamily="50" charset="-127"/>
+              </a:rPr>
+              <a:t> </a:t>
+            </a:r>
+          </a:p>
+        </p:txBody>
+      </p:sp>
+      <p:sp>
+        <p:nvSpPr>
+          <p:cNvPr id="9" name="직사각형 8">
+            <a:extLst>
+              <a:ext uri="{FF2B5EF4-FFF2-40B4-BE49-F238E27FC236}">
+                <a16:creationId xmlns:a16="http://schemas.microsoft.com/office/drawing/2014/main" id="{8578B213-C817-483F-94A4-A38746AA4CE5}"/>
+              </a:ext>
+            </a:extLst>
+          </p:cNvPr>
+          <p:cNvSpPr/>
+          <p:nvPr/>
+        </p:nvSpPr>
+        <p:spPr>
+          <a:xfrm>
+            <a:off x="2834534" y="2484351"/>
+            <a:ext cx="2254824" cy="369332"/>
+          </a:xfrm>
+          <a:prstGeom prst="rect">
+            <a:avLst/>
+          </a:prstGeom>
+          <a:noFill/>
+          <a:ln w="38100">
             <a:solidFill>
-              <a:schemeClr val="tx1"/>
+              <a:srgbClr val="FF0000"/>
             </a:solidFill>
+            <a:prstDash val="sysDash"/>
           </a:ln>
         </p:spPr>
         <p:style>
@@ -6393,124 +6342,17 @@
           <a:bodyPr rtlCol="0" anchor="ctr"/>
           <a:lstStyle/>
           <a:p>
-            <a:r>
-              <a:rPr lang="en-US" altLang="ko-KR" sz="1400" dirty="0">
-                <a:solidFill>
-                  <a:schemeClr val="tx1"/>
-                </a:solidFill>
-                <a:latin typeface="나눔스퀘어" panose="020B0600000101010101" pitchFamily="50" charset="-127"/>
-                <a:ea typeface="나눔스퀘어" panose="020B0600000101010101" pitchFamily="50" charset="-127"/>
-              </a:rPr>
-              <a:t>&gt; cd [YOUR PATH]</a:t>
-            </a:r>
-          </a:p>
-          <a:p>
-            <a:r>
-              <a:rPr lang="en-US" altLang="ko-KR" sz="1400" dirty="0">
-                <a:solidFill>
-                  <a:schemeClr val="tx1"/>
-                </a:solidFill>
-                <a:latin typeface="나눔스퀘어" panose="020B0600000101010101" pitchFamily="50" charset="-127"/>
-                <a:ea typeface="나눔스퀘어" panose="020B0600000101010101" pitchFamily="50" charset="-127"/>
-              </a:rPr>
-              <a:t>&gt; pip install </a:t>
-            </a:r>
-            <a:r>
-              <a:rPr lang="en-US" altLang="ko-KR" sz="1400" dirty="0" err="1">
-                <a:solidFill>
-                  <a:schemeClr val="tx1"/>
-                </a:solidFill>
-                <a:latin typeface="나눔스퀘어" panose="020B0600000101010101" pitchFamily="50" charset="-127"/>
-                <a:ea typeface="나눔스퀘어" panose="020B0600000101010101" pitchFamily="50" charset="-127"/>
-              </a:rPr>
-              <a:t>numpy</a:t>
-            </a:r>
-            <a:r>
-              <a:rPr lang="en-US" altLang="ko-KR" sz="1400" dirty="0">
-                <a:solidFill>
-                  <a:schemeClr val="tx1"/>
-                </a:solidFill>
-                <a:latin typeface="나눔스퀘어" panose="020B0600000101010101" pitchFamily="50" charset="-127"/>
-                <a:ea typeface="나눔스퀘어" panose="020B0600000101010101" pitchFamily="50" charset="-127"/>
-              </a:rPr>
-              <a:t> matplotlib </a:t>
-            </a:r>
-            <a:r>
-              <a:rPr lang="en-US" altLang="ko-KR" sz="1400" dirty="0" err="1">
-                <a:solidFill>
-                  <a:schemeClr val="tx1"/>
-                </a:solidFill>
-                <a:latin typeface="나눔스퀘어" panose="020B0600000101010101" pitchFamily="50" charset="-127"/>
-                <a:ea typeface="나눔스퀘어" panose="020B0600000101010101" pitchFamily="50" charset="-127"/>
-              </a:rPr>
-              <a:t>jupyter</a:t>
-            </a:r>
-            <a:r>
-              <a:rPr lang="en-US" altLang="ko-KR" sz="1400" dirty="0">
-                <a:solidFill>
-                  <a:schemeClr val="tx1"/>
-                </a:solidFill>
-                <a:latin typeface="나눔스퀘어" panose="020B0600000101010101" pitchFamily="50" charset="-127"/>
-                <a:ea typeface="나눔스퀘어" panose="020B0600000101010101" pitchFamily="50" charset="-127"/>
-              </a:rPr>
-              <a:t> </a:t>
-            </a:r>
-            <a:r>
-              <a:rPr lang="en-US" altLang="ko-KR" sz="1400" dirty="0" err="1">
-                <a:solidFill>
-                  <a:srgbClr val="FF0000"/>
-                </a:solidFill>
-                <a:latin typeface="나눔스퀘어" panose="020B0600000101010101" pitchFamily="50" charset="-127"/>
-                <a:ea typeface="나눔스퀘어" panose="020B0600000101010101" pitchFamily="50" charset="-127"/>
-              </a:rPr>
-              <a:t>neuromeka</a:t>
-            </a:r>
-            <a:endParaRPr lang="en-US" altLang="ko-KR" sz="1400" dirty="0">
-              <a:solidFill>
-                <a:srgbClr val="FF0000"/>
-              </a:solidFill>
-              <a:latin typeface="나눔스퀘어" panose="020B0600000101010101" pitchFamily="50" charset="-127"/>
-              <a:ea typeface="나눔스퀘어" panose="020B0600000101010101" pitchFamily="50" charset="-127"/>
-            </a:endParaRPr>
-          </a:p>
-        </p:txBody>
-      </p:sp>
-      <p:pic>
-        <p:nvPicPr>
-          <p:cNvPr id="2" name="그림 1">
-            <a:extLst>
-              <a:ext uri="{FF2B5EF4-FFF2-40B4-BE49-F238E27FC236}">
-                <a16:creationId xmlns:a16="http://schemas.microsoft.com/office/drawing/2014/main" id="{4E0FC06E-9357-4E33-9DDD-4FA5B266FC91}"/>
-              </a:ext>
-            </a:extLst>
-          </p:cNvPr>
-          <p:cNvPicPr>
-            <a:picLocks noChangeAspect="1"/>
-          </p:cNvPicPr>
-          <p:nvPr/>
-        </p:nvPicPr>
-        <p:blipFill>
-          <a:blip r:embed="rId3"/>
-          <a:stretch>
-            <a:fillRect/>
-          </a:stretch>
-        </p:blipFill>
-        <p:spPr>
-          <a:xfrm>
-            <a:off x="794763" y="2189721"/>
-            <a:ext cx="7146079" cy="2478557"/>
-          </a:xfrm>
-          <a:prstGeom prst="rect">
-            <a:avLst/>
-          </a:prstGeom>
-        </p:spPr>
-      </p:pic>
-      <p:sp>
-        <p:nvSpPr>
-          <p:cNvPr id="16" name="직사각형 15">
-            <a:extLst>
-              <a:ext uri="{FF2B5EF4-FFF2-40B4-BE49-F238E27FC236}">
-                <a16:creationId xmlns:a16="http://schemas.microsoft.com/office/drawing/2014/main" id="{71E0AE60-161C-4A4A-B746-5831C6EA4E10}"/>
+            <a:pPr algn="ctr"/>
+            <a:endParaRPr lang="ko-KR" altLang="en-US"/>
+          </a:p>
+        </p:txBody>
+      </p:sp>
+      <p:sp>
+        <p:nvSpPr>
+          <p:cNvPr id="10" name="직사각형 9">
+            <a:extLst>
+              <a:ext uri="{FF2B5EF4-FFF2-40B4-BE49-F238E27FC236}">
+                <a16:creationId xmlns:a16="http://schemas.microsoft.com/office/drawing/2014/main" id="{F81C49BA-A178-41C6-BC2B-D3E7E7A955AB}"/>
               </a:ext>
             </a:extLst>
           </p:cNvPr>
@@ -6519,8 +6361,8 @@
         </p:nvSpPr>
         <p:spPr>
           <a:xfrm>
-            <a:off x="794762" y="3080569"/>
-            <a:ext cx="4399537" cy="268641"/>
+            <a:off x="6536249" y="4433908"/>
+            <a:ext cx="3104326" cy="369332"/>
           </a:xfrm>
           <a:prstGeom prst="rect">
             <a:avLst/>
@@ -6560,10 +6402,10 @@
       </p:sp>
       <p:sp>
         <p:nvSpPr>
-          <p:cNvPr id="8" name="직사각형 7">
-            <a:extLst>
-              <a:ext uri="{FF2B5EF4-FFF2-40B4-BE49-F238E27FC236}">
-                <a16:creationId xmlns:a16="http://schemas.microsoft.com/office/drawing/2014/main" id="{D9C67818-48A8-4F76-B766-B537DFB857E2}"/>
+          <p:cNvPr id="12" name="직사각형 11">
+            <a:extLst>
+              <a:ext uri="{FF2B5EF4-FFF2-40B4-BE49-F238E27FC236}">
+                <a16:creationId xmlns:a16="http://schemas.microsoft.com/office/drawing/2014/main" id="{C2D6F2C5-D8C9-4B53-8659-0D3706EFB13D}"/>
               </a:ext>
             </a:extLst>
           </p:cNvPr>
@@ -6572,63 +6414,18 @@
         </p:nvSpPr>
         <p:spPr>
           <a:xfrm>
-            <a:off x="383828" y="1596446"/>
-            <a:ext cx="10782187" cy="384401"/>
+            <a:off x="6536249" y="5549708"/>
+            <a:ext cx="3104326" cy="369332"/>
           </a:xfrm>
           <a:prstGeom prst="rect">
             <a:avLst/>
           </a:prstGeom>
+          <a:noFill/>
           <a:ln w="38100">
-            <a:noFill/>
+            <a:solidFill>
+              <a:srgbClr val="FF0000"/>
+            </a:solidFill>
             <a:prstDash val="sysDash"/>
-          </a:ln>
-        </p:spPr>
-        <p:txBody>
-          <a:bodyPr wrap="square">
-            <a:spAutoFit/>
-          </a:bodyPr>
-          <a:lstStyle/>
-          <a:p>
-            <a:pPr>
-              <a:lnSpc>
-                <a:spcPct val="150000"/>
-              </a:lnSpc>
-            </a:pPr>
-            <a:r>
-              <a:rPr lang="en-US" altLang="ko-KR" sz="1400" dirty="0">
-                <a:latin typeface="나눔스퀘어" panose="020B0600000101010101" pitchFamily="50" charset="-127"/>
-                <a:ea typeface="나눔스퀘어" panose="020B0600000101010101" pitchFamily="50" charset="-127"/>
-              </a:rPr>
-              <a:t>① Install the required dependencies via “pip install’’.</a:t>
-            </a:r>
-          </a:p>
-        </p:txBody>
-      </p:sp>
-      <p:sp>
-        <p:nvSpPr>
-          <p:cNvPr id="3" name="직사각형 2">
-            <a:extLst>
-              <a:ext uri="{FF2B5EF4-FFF2-40B4-BE49-F238E27FC236}">
-                <a16:creationId xmlns:a16="http://schemas.microsoft.com/office/drawing/2014/main" id="{608E4216-54D4-41E4-89B2-F3E7C9D33DB3}"/>
-              </a:ext>
-            </a:extLst>
-          </p:cNvPr>
-          <p:cNvSpPr/>
-          <p:nvPr/>
-        </p:nvSpPr>
-        <p:spPr>
-          <a:xfrm>
-            <a:off x="5996355" y="3080569"/>
-            <a:ext cx="1477108" cy="268641"/>
-          </a:xfrm>
-          <a:prstGeom prst="rect">
-            <a:avLst/>
-          </a:prstGeom>
-          <a:solidFill>
-            <a:srgbClr val="0C0C0C"/>
-          </a:solidFill>
-          <a:ln>
-            <a:noFill/>
           </a:ln>
         </p:spPr>
         <p:style>
@@ -6652,14 +6449,112 @@
           <a:lstStyle/>
           <a:p>
             <a:pPr algn="ctr"/>
-            <a:endParaRPr lang="ko-KR" altLang="en-US" dirty="0"/>
+            <a:endParaRPr lang="ko-KR" altLang="en-US"/>
+          </a:p>
+        </p:txBody>
+      </p:sp>
+      <p:sp>
+        <p:nvSpPr>
+          <p:cNvPr id="13" name="직사각형 12">
+            <a:extLst>
+              <a:ext uri="{FF2B5EF4-FFF2-40B4-BE49-F238E27FC236}">
+                <a16:creationId xmlns:a16="http://schemas.microsoft.com/office/drawing/2014/main" id="{95C8B08F-0296-492A-BCAA-BF595A3050ED}"/>
+              </a:ext>
+            </a:extLst>
+          </p:cNvPr>
+          <p:cNvSpPr/>
+          <p:nvPr/>
+        </p:nvSpPr>
+        <p:spPr>
+          <a:xfrm>
+            <a:off x="7868653" y="4947955"/>
+            <a:ext cx="3860019" cy="384401"/>
+          </a:xfrm>
+          <a:prstGeom prst="rect">
+            <a:avLst/>
+          </a:prstGeom>
+          <a:ln w="38100">
+            <a:noFill/>
+            <a:prstDash val="sysDash"/>
+          </a:ln>
+        </p:spPr>
+        <p:txBody>
+          <a:bodyPr wrap="square">
+            <a:spAutoFit/>
+          </a:bodyPr>
+          <a:lstStyle/>
+          <a:p>
+            <a:pPr algn="ctr">
+              <a:lnSpc>
+                <a:spcPct val="150000"/>
+              </a:lnSpc>
+            </a:pPr>
+            <a:r>
+              <a:rPr lang="en-US" altLang="ko-KR" sz="1400" dirty="0">
+                <a:solidFill>
+                  <a:srgbClr val="FF0000"/>
+                </a:solidFill>
+                <a:latin typeface="나눔스퀘어 ExtraBold" panose="020B0600000101010101" pitchFamily="50" charset="-127"/>
+                <a:ea typeface="나눔스퀘어 ExtraBold" panose="020B0600000101010101" pitchFamily="50" charset="-127"/>
+              </a:rPr>
+              <a:t>* download ZIP or clone repository</a:t>
+            </a:r>
+          </a:p>
+        </p:txBody>
+      </p:sp>
+      <p:sp>
+        <p:nvSpPr>
+          <p:cNvPr id="15" name="직사각형 14">
+            <a:extLst>
+              <a:ext uri="{FF2B5EF4-FFF2-40B4-BE49-F238E27FC236}">
+                <a16:creationId xmlns:a16="http://schemas.microsoft.com/office/drawing/2014/main" id="{05EBE7E3-D016-4900-A92D-A9BEEBB3CEB6}"/>
+              </a:ext>
+            </a:extLst>
+          </p:cNvPr>
+          <p:cNvSpPr/>
+          <p:nvPr/>
+        </p:nvSpPr>
+        <p:spPr>
+          <a:xfrm>
+            <a:off x="780869" y="1934989"/>
+            <a:ext cx="7087784" cy="384401"/>
+          </a:xfrm>
+          <a:prstGeom prst="rect">
+            <a:avLst/>
+          </a:prstGeom>
+          <a:ln w="38100">
+            <a:noFill/>
+            <a:prstDash val="sysDash"/>
+          </a:ln>
+        </p:spPr>
+        <p:txBody>
+          <a:bodyPr wrap="square">
+            <a:spAutoFit/>
+          </a:bodyPr>
+          <a:lstStyle/>
+          <a:p>
+            <a:pPr>
+              <a:lnSpc>
+                <a:spcPct val="150000"/>
+              </a:lnSpc>
+            </a:pPr>
+            <a:r>
+              <a:rPr lang="en-US" altLang="ko-KR" sz="1400" dirty="0">
+                <a:solidFill>
+                  <a:srgbClr val="FF0000"/>
+                </a:solidFill>
+                <a:latin typeface="나눔스퀘어 ExtraBold" panose="020B0600000101010101" pitchFamily="50" charset="-127"/>
+                <a:ea typeface="나눔스퀘어 ExtraBold" panose="020B0600000101010101" pitchFamily="50" charset="-127"/>
+              </a:rPr>
+              <a:t>* Place the folder in a path without special characters (ex. Korean).</a:t>
+            </a:r>
           </a:p>
         </p:txBody>
       </p:sp>
     </p:spTree>
     <p:extLst>
       <p:ext uri="{BB962C8B-B14F-4D97-AF65-F5344CB8AC3E}">
-        <p14:creationId xmlns:p14="http://schemas.microsoft.com/office/powerpoint/2010/main" val="2335530207"/>
+        <p14:creationId xmlns:p14="http://schemas.microsoft.com/office/powerpoint/2010/main" val="3078985532"/>
       </p:ext>
     </p:extLst>
   </p:cSld>
@@ -6778,17 +6673,17 @@
                 <a:latin typeface="나눔스퀘어 ExtraBold" panose="020B0600000101010101" pitchFamily="50" charset="-127"/>
                 <a:ea typeface="나눔스퀘어 ExtraBold" panose="020B0600000101010101" pitchFamily="50" charset="-127"/>
               </a:rPr>
-              <a:t>2. Run example code</a:t>
-            </a:r>
-          </a:p>
-        </p:txBody>
-      </p:sp>
-      <p:sp>
-        <p:nvSpPr>
-          <p:cNvPr id="7" name="TextBox 6">
-            <a:extLst>
-              <a:ext uri="{FF2B5EF4-FFF2-40B4-BE49-F238E27FC236}">
-                <a16:creationId xmlns:a16="http://schemas.microsoft.com/office/drawing/2014/main" id="{98965B6C-4EAD-4AC7-A3C1-FA39152BDFDC}"/>
+              <a:t>1. Installation</a:t>
+            </a:r>
+          </a:p>
+        </p:txBody>
+      </p:sp>
+      <p:sp>
+        <p:nvSpPr>
+          <p:cNvPr id="6" name="TextBox 5">
+            <a:extLst>
+              <a:ext uri="{FF2B5EF4-FFF2-40B4-BE49-F238E27FC236}">
+                <a16:creationId xmlns:a16="http://schemas.microsoft.com/office/drawing/2014/main" id="{4E09E407-957A-4A1B-9D85-66A67B24E77E}"/>
               </a:ext>
             </a:extLst>
           </p:cNvPr>
@@ -6811,16 +6706,6 @@
           </a:bodyPr>
           <a:lstStyle/>
           <a:p>
-            <a:r>
-              <a:rPr lang="en-US" altLang="ko-KR" dirty="0" err="1">
-                <a:solidFill>
-                  <a:prstClr val="black"/>
-                </a:solidFill>
-                <a:latin typeface="나눔스퀘어 ExtraBold" panose="020B0600000101010101" pitchFamily="50" charset="-127"/>
-                <a:ea typeface="나눔스퀘어 ExtraBold" panose="020B0600000101010101" pitchFamily="50" charset="-127"/>
-              </a:rPr>
-              <a:t>Jupyter</a:t>
-            </a:r>
             <a:r>
               <a:rPr lang="en-US" altLang="ko-KR" dirty="0">
                 <a:solidFill>
@@ -6829,17 +6714,17 @@
                 <a:latin typeface="나눔스퀘어 ExtraBold" panose="020B0600000101010101" pitchFamily="50" charset="-127"/>
                 <a:ea typeface="나눔스퀘어 ExtraBold" panose="020B0600000101010101" pitchFamily="50" charset="-127"/>
               </a:rPr>
-              <a:t> notebook</a:t>
-            </a:r>
-          </a:p>
-        </p:txBody>
-      </p:sp>
-      <p:sp>
-        <p:nvSpPr>
-          <p:cNvPr id="9" name="직사각형 8">
-            <a:extLst>
-              <a:ext uri="{FF2B5EF4-FFF2-40B4-BE49-F238E27FC236}">
-                <a16:creationId xmlns:a16="http://schemas.microsoft.com/office/drawing/2014/main" id="{4E05F183-D635-412A-B602-EAC388CBD16C}"/>
+              <a:t>4) Install python packages (dependencies)</a:t>
+            </a:r>
+          </a:p>
+        </p:txBody>
+      </p:sp>
+      <p:sp>
+        <p:nvSpPr>
+          <p:cNvPr id="14" name="사각형: 둥근 모서리 13">
+            <a:extLst>
+              <a:ext uri="{FF2B5EF4-FFF2-40B4-BE49-F238E27FC236}">
+                <a16:creationId xmlns:a16="http://schemas.microsoft.com/office/drawing/2014/main" id="{2F195E29-1599-4A50-A753-5ECE3B95B235}"/>
               </a:ext>
             </a:extLst>
           </p:cNvPr>
@@ -6848,115 +6733,21 @@
         </p:nvSpPr>
         <p:spPr>
           <a:xfrm>
-            <a:off x="383828" y="1596446"/>
-            <a:ext cx="10782187" cy="384401"/>
-          </a:xfrm>
-          <a:prstGeom prst="rect">
+            <a:off x="794763" y="5541767"/>
+            <a:ext cx="6315900" cy="794335"/>
+          </a:xfrm>
+          <a:prstGeom prst="roundRect">
             <a:avLst/>
           </a:prstGeom>
-          <a:ln w="38100">
-            <a:noFill/>
-            <a:prstDash val="sysDash"/>
-          </a:ln>
-        </p:spPr>
-        <p:txBody>
-          <a:bodyPr wrap="square">
-            <a:spAutoFit/>
-          </a:bodyPr>
-          <a:lstStyle/>
-          <a:p>
-            <a:pPr>
-              <a:lnSpc>
-                <a:spcPct val="150000"/>
-              </a:lnSpc>
-            </a:pPr>
-            <a:r>
-              <a:rPr lang="en-US" altLang="ko-KR" sz="1400" dirty="0">
-                <a:latin typeface="나눔스퀘어" panose="020B0600000101010101" pitchFamily="50" charset="-127"/>
-                <a:ea typeface="나눔스퀘어" panose="020B0600000101010101" pitchFamily="50" charset="-127"/>
-              </a:rPr>
-              <a:t>① Open </a:t>
-            </a:r>
-            <a:r>
-              <a:rPr lang="en-US" altLang="ko-KR" sz="1400" dirty="0" err="1">
-                <a:latin typeface="나눔스퀘어" panose="020B0600000101010101" pitchFamily="50" charset="-127"/>
-                <a:ea typeface="나눔스퀘어" panose="020B0600000101010101" pitchFamily="50" charset="-127"/>
-              </a:rPr>
-              <a:t>jupyter</a:t>
-            </a:r>
-            <a:r>
-              <a:rPr lang="en-US" altLang="ko-KR" sz="1400" dirty="0">
-                <a:latin typeface="나눔스퀘어" panose="020B0600000101010101" pitchFamily="50" charset="-127"/>
-                <a:ea typeface="나눔스퀘어" panose="020B0600000101010101" pitchFamily="50" charset="-127"/>
-              </a:rPr>
-              <a:t> notebook in project directory, and open </a:t>
-            </a:r>
-            <a:r>
-              <a:rPr lang="en-US" altLang="ko-KR" sz="1400" i="1" dirty="0">
-                <a:latin typeface="나눔스퀘어" panose="020B0600000101010101" pitchFamily="50" charset="-127"/>
-                <a:ea typeface="나눔스퀘어" panose="020B0600000101010101" pitchFamily="50" charset="-127"/>
-              </a:rPr>
-              <a:t>ExampleNRMK_IndyDCP3.ipynb</a:t>
-            </a:r>
-          </a:p>
-        </p:txBody>
-      </p:sp>
-      <p:pic>
-        <p:nvPicPr>
-          <p:cNvPr id="10" name="그림 9">
-            <a:extLst>
-              <a:ext uri="{FF2B5EF4-FFF2-40B4-BE49-F238E27FC236}">
-                <a16:creationId xmlns:a16="http://schemas.microsoft.com/office/drawing/2014/main" id="{E1B74B7C-3338-4DDD-A2AF-C7A0BDA23F99}"/>
-              </a:ext>
-            </a:extLst>
-          </p:cNvPr>
-          <p:cNvPicPr>
-            <a:picLocks noChangeAspect="1"/>
-          </p:cNvPicPr>
-          <p:nvPr/>
-        </p:nvPicPr>
-        <p:blipFill>
-          <a:blip r:embed="rId3"/>
-          <a:stretch>
-            <a:fillRect/>
-          </a:stretch>
-        </p:blipFill>
-        <p:spPr>
-          <a:xfrm>
-            <a:off x="383828" y="2449365"/>
-            <a:ext cx="7991475" cy="2771775"/>
-          </a:xfrm>
-          <a:prstGeom prst="rect">
-            <a:avLst/>
-          </a:prstGeom>
-        </p:spPr>
-      </p:pic>
-      <p:sp>
-        <p:nvSpPr>
-          <p:cNvPr id="13" name="직사각형 12">
-            <a:extLst>
-              <a:ext uri="{FF2B5EF4-FFF2-40B4-BE49-F238E27FC236}">
-                <a16:creationId xmlns:a16="http://schemas.microsoft.com/office/drawing/2014/main" id="{5C4ADD81-8B69-4252-ABAB-2B5F60B63F97}"/>
-              </a:ext>
-            </a:extLst>
-          </p:cNvPr>
-          <p:cNvSpPr/>
-          <p:nvPr/>
-        </p:nvSpPr>
-        <p:spPr>
-          <a:xfrm>
-            <a:off x="383828" y="3456355"/>
-            <a:ext cx="6230197" cy="268641"/>
-          </a:xfrm>
-          <a:prstGeom prst="rect">
-            <a:avLst/>
-          </a:prstGeom>
-          <a:noFill/>
-          <a:ln w="38100">
+          <a:solidFill>
+            <a:schemeClr val="bg1">
+              <a:lumMod val="95000"/>
+            </a:schemeClr>
+          </a:solidFill>
+          <a:ln w="28575">
             <a:solidFill>
-              <a:srgbClr val="FF0000"/>
+              <a:schemeClr val="tx1"/>
             </a:solidFill>
-            <a:prstDash val="sysDash"/>
           </a:ln>
         </p:spPr>
         <p:style>
@@ -6979,17 +6770,96 @@
           <a:bodyPr rtlCol="0" anchor="ctr"/>
           <a:lstStyle/>
           <a:p>
-            <a:pPr algn="ctr"/>
-            <a:endParaRPr lang="ko-KR" altLang="en-US"/>
+            <a:r>
+              <a:rPr lang="en-US" altLang="ko-KR" sz="1400" dirty="0">
+                <a:solidFill>
+                  <a:schemeClr val="tx1"/>
+                </a:solidFill>
+                <a:latin typeface="나눔스퀘어" panose="020B0600000101010101" pitchFamily="50" charset="-127"/>
+                <a:ea typeface="나눔스퀘어" panose="020B0600000101010101" pitchFamily="50" charset="-127"/>
+              </a:rPr>
+              <a:t>&gt; cd [YOUR PATH]</a:t>
+            </a:r>
+          </a:p>
+          <a:p>
+            <a:r>
+              <a:rPr lang="en-US" altLang="ko-KR" sz="1400" dirty="0">
+                <a:solidFill>
+                  <a:schemeClr val="tx1"/>
+                </a:solidFill>
+                <a:latin typeface="나눔스퀘어" panose="020B0600000101010101" pitchFamily="50" charset="-127"/>
+                <a:ea typeface="나눔스퀘어" panose="020B0600000101010101" pitchFamily="50" charset="-127"/>
+              </a:rPr>
+              <a:t>&gt; pip install –r requirements.txt</a:t>
+            </a:r>
+          </a:p>
+          <a:p>
+            <a:r>
+              <a:rPr lang="en-US" altLang="ko-KR" sz="1400" dirty="0">
+                <a:solidFill>
+                  <a:schemeClr val="tx1"/>
+                </a:solidFill>
+                <a:latin typeface="나눔스퀘어" panose="020B0600000101010101" pitchFamily="50" charset="-127"/>
+                <a:ea typeface="나눔스퀘어" panose="020B0600000101010101" pitchFamily="50" charset="-127"/>
+              </a:rPr>
+              <a:t>&gt; </a:t>
+            </a:r>
+            <a:r>
+              <a:rPr lang="en-US" altLang="ko-KR" sz="1400" dirty="0" err="1">
+                <a:solidFill>
+                  <a:schemeClr val="tx1"/>
+                </a:solidFill>
+                <a:latin typeface="나눔스퀘어" panose="020B0600000101010101" pitchFamily="50" charset="-127"/>
+                <a:ea typeface="나눔스퀘어" panose="020B0600000101010101" pitchFamily="50" charset="-127"/>
+              </a:rPr>
+              <a:t>conda</a:t>
+            </a:r>
+            <a:r>
+              <a:rPr lang="en-US" altLang="ko-KR" sz="1400" dirty="0">
+                <a:solidFill>
+                  <a:schemeClr val="tx1"/>
+                </a:solidFill>
+                <a:latin typeface="나눔스퀘어" panose="020B0600000101010101" pitchFamily="50" charset="-127"/>
+                <a:ea typeface="나눔스퀘어" panose="020B0600000101010101" pitchFamily="50" charset="-127"/>
+              </a:rPr>
+              <a:t> install Pinocchio –c </a:t>
+            </a:r>
+            <a:r>
+              <a:rPr lang="en-US" altLang="ko-KR" sz="1400" dirty="0" err="1">
+                <a:solidFill>
+                  <a:schemeClr val="tx1"/>
+                </a:solidFill>
+                <a:latin typeface="나눔스퀘어" panose="020B0600000101010101" pitchFamily="50" charset="-127"/>
+                <a:ea typeface="나눔스퀘어" panose="020B0600000101010101" pitchFamily="50" charset="-127"/>
+              </a:rPr>
+              <a:t>conda</a:t>
+            </a:r>
+            <a:r>
+              <a:rPr lang="en-US" altLang="ko-KR" sz="1400" dirty="0">
+                <a:solidFill>
+                  <a:schemeClr val="tx1"/>
+                </a:solidFill>
+                <a:latin typeface="나눔스퀘어" panose="020B0600000101010101" pitchFamily="50" charset="-127"/>
+                <a:ea typeface="나눔스퀘어" panose="020B0600000101010101" pitchFamily="50" charset="-127"/>
+              </a:rPr>
+              <a:t>-forge</a:t>
+            </a:r>
+            <a:endParaRPr lang="ko-KR" altLang="en-US" sz="1400" dirty="0">
+              <a:solidFill>
+                <a:schemeClr val="tx1"/>
+              </a:solidFill>
+              <a:latin typeface="나눔스퀘어" panose="020B0600000101010101" pitchFamily="50" charset="-127"/>
+              <a:ea typeface="나눔스퀘어" panose="020B0600000101010101" pitchFamily="50" charset="-127"/>
+            </a:endParaRPr>
           </a:p>
         </p:txBody>
       </p:sp>
       <p:pic>
         <p:nvPicPr>
-          <p:cNvPr id="14" name="그림 13">
-            <a:extLst>
-              <a:ext uri="{FF2B5EF4-FFF2-40B4-BE49-F238E27FC236}">
-                <a16:creationId xmlns:a16="http://schemas.microsoft.com/office/drawing/2014/main" id="{32A41A80-3780-4B14-8C5F-17E9366F47BC}"/>
+          <p:cNvPr id="2" name="그림 1">
+            <a:extLst>
+              <a:ext uri="{FF2B5EF4-FFF2-40B4-BE49-F238E27FC236}">
+                <a16:creationId xmlns:a16="http://schemas.microsoft.com/office/drawing/2014/main" id="{4E0FC06E-9357-4E33-9DDD-4FA5B266FC91}"/>
               </a:ext>
             </a:extLst>
           </p:cNvPr>
@@ -6999,15 +6869,15 @@
           <p:nvPr/>
         </p:nvPicPr>
         <p:blipFill>
-          <a:blip r:embed="rId4"/>
+          <a:blip r:embed="rId3"/>
           <a:stretch>
             <a:fillRect/>
           </a:stretch>
         </p:blipFill>
         <p:spPr>
           <a:xfrm>
-            <a:off x="8920391" y="2764062"/>
-            <a:ext cx="2172003" cy="2343477"/>
+            <a:off x="794763" y="2189721"/>
+            <a:ext cx="7146079" cy="2478557"/>
           </a:xfrm>
           <a:prstGeom prst="rect">
             <a:avLst/>
@@ -7016,10 +6886,10 @@
       </p:pic>
       <p:sp>
         <p:nvSpPr>
-          <p:cNvPr id="11" name="직사각형 10">
-            <a:extLst>
-              <a:ext uri="{FF2B5EF4-FFF2-40B4-BE49-F238E27FC236}">
-                <a16:creationId xmlns:a16="http://schemas.microsoft.com/office/drawing/2014/main" id="{0F4D22D7-020E-4D6B-89A6-0CA3DA3B2608}"/>
+          <p:cNvPr id="16" name="직사각형 15">
+            <a:extLst>
+              <a:ext uri="{FF2B5EF4-FFF2-40B4-BE49-F238E27FC236}">
+                <a16:creationId xmlns:a16="http://schemas.microsoft.com/office/drawing/2014/main" id="{71E0AE60-161C-4A4A-B746-5831C6EA4E10}"/>
               </a:ext>
             </a:extLst>
           </p:cNvPr>
@@ -7028,8 +6898,8 @@
         </p:nvSpPr>
         <p:spPr>
           <a:xfrm>
-            <a:off x="9306791" y="4063425"/>
-            <a:ext cx="1557726" cy="298743"/>
+            <a:off x="794762" y="3080569"/>
+            <a:ext cx="4399537" cy="268641"/>
           </a:xfrm>
           <a:prstGeom prst="rect">
             <a:avLst/>
@@ -7067,10 +6937,70 @@
           </a:p>
         </p:txBody>
       </p:sp>
+      <p:sp>
+        <p:nvSpPr>
+          <p:cNvPr id="8" name="직사각형 7">
+            <a:extLst>
+              <a:ext uri="{FF2B5EF4-FFF2-40B4-BE49-F238E27FC236}">
+                <a16:creationId xmlns:a16="http://schemas.microsoft.com/office/drawing/2014/main" id="{D9C67818-48A8-4F76-B766-B537DFB857E2}"/>
+              </a:ext>
+            </a:extLst>
+          </p:cNvPr>
+          <p:cNvSpPr/>
+          <p:nvPr/>
+        </p:nvSpPr>
+        <p:spPr>
+          <a:xfrm>
+            <a:off x="383828" y="1596446"/>
+            <a:ext cx="10782187" cy="384401"/>
+          </a:xfrm>
+          <a:prstGeom prst="rect">
+            <a:avLst/>
+          </a:prstGeom>
+          <a:ln w="38100">
+            <a:noFill/>
+            <a:prstDash val="sysDash"/>
+          </a:ln>
+        </p:spPr>
+        <p:txBody>
+          <a:bodyPr wrap="square">
+            <a:spAutoFit/>
+          </a:bodyPr>
+          <a:lstStyle/>
+          <a:p>
+            <a:pPr>
+              <a:lnSpc>
+                <a:spcPct val="150000"/>
+              </a:lnSpc>
+            </a:pPr>
+            <a:r>
+              <a:rPr lang="en-US" altLang="ko-KR" sz="1400" dirty="0">
+                <a:latin typeface="나눔스퀘어" panose="020B0600000101010101" pitchFamily="50" charset="-127"/>
+                <a:ea typeface="나눔스퀘어" panose="020B0600000101010101" pitchFamily="50" charset="-127"/>
+              </a:rPr>
+              <a:t>① Install the required dependencies via “pip install” and “</a:t>
+            </a:r>
+            <a:r>
+              <a:rPr lang="en-US" altLang="ko-KR" sz="1400" dirty="0" err="1">
+                <a:latin typeface="나눔스퀘어" panose="020B0600000101010101" pitchFamily="50" charset="-127"/>
+                <a:ea typeface="나눔스퀘어" panose="020B0600000101010101" pitchFamily="50" charset="-127"/>
+              </a:rPr>
+              <a:t>conda</a:t>
+            </a:r>
+            <a:r>
+              <a:rPr lang="en-US" altLang="ko-KR" sz="1400" dirty="0">
+                <a:latin typeface="나눔스퀘어" panose="020B0600000101010101" pitchFamily="50" charset="-127"/>
+                <a:ea typeface="나눔스퀘어" panose="020B0600000101010101" pitchFamily="50" charset="-127"/>
+              </a:rPr>
+              <a:t> install”. </a:t>
+            </a:r>
+          </a:p>
+        </p:txBody>
+      </p:sp>
     </p:spTree>
     <p:extLst>
       <p:ext uri="{BB962C8B-B14F-4D97-AF65-F5344CB8AC3E}">
-        <p14:creationId xmlns:p14="http://schemas.microsoft.com/office/powerpoint/2010/main" val="1005171520"/>
+        <p14:creationId xmlns:p14="http://schemas.microsoft.com/office/powerpoint/2010/main" val="3334624846"/>
       </p:ext>
     </p:extLst>
   </p:cSld>
@@ -7102,7 +7032,7 @@
           <p:cNvPr id="2" name="그림 1">
             <a:extLst>
               <a:ext uri="{FF2B5EF4-FFF2-40B4-BE49-F238E27FC236}">
-                <a16:creationId xmlns:a16="http://schemas.microsoft.com/office/drawing/2014/main" id="{386B3ABA-2B06-4806-ADC2-717C0CBDB686}"/>
+                <a16:creationId xmlns:a16="http://schemas.microsoft.com/office/drawing/2014/main" id="{3C9E78B9-CB97-45C4-8595-010310CACC0A}"/>
               </a:ext>
             </a:extLst>
           </p:cNvPr>
@@ -7111,16 +7041,15 @@
           </p:cNvPicPr>
           <p:nvPr/>
         </p:nvPicPr>
-        <p:blipFill>
+        <p:blipFill rotWithShape="1">
           <a:blip r:embed="rId3"/>
-          <a:stretch>
-            <a:fillRect/>
-          </a:stretch>
+          <a:srcRect r="28880"/>
+          <a:stretch/>
         </p:blipFill>
         <p:spPr>
           <a:xfrm>
-            <a:off x="671671" y="2105379"/>
-            <a:ext cx="7991475" cy="2771775"/>
+            <a:off x="8649331" y="3063265"/>
+            <a:ext cx="2872645" cy="1733792"/>
           </a:xfrm>
           <a:prstGeom prst="rect">
             <a:avLst/>
@@ -7219,7 +7148,7 @@
                 <a:latin typeface="나눔스퀘어 ExtraBold" panose="020B0600000101010101" pitchFamily="50" charset="-127"/>
                 <a:ea typeface="나눔스퀘어 ExtraBold" panose="020B0600000101010101" pitchFamily="50" charset="-127"/>
               </a:rPr>
-              <a:t>3. Source Code Manual</a:t>
+              <a:t>2. Run example code</a:t>
             </a:r>
           </a:p>
         </p:txBody>
@@ -7252,6 +7181,16 @@
           </a:bodyPr>
           <a:lstStyle/>
           <a:p>
+            <a:r>
+              <a:rPr lang="en-US" altLang="ko-KR" dirty="0" err="1">
+                <a:solidFill>
+                  <a:prstClr val="black"/>
+                </a:solidFill>
+                <a:latin typeface="나눔스퀘어 ExtraBold" panose="020B0600000101010101" pitchFamily="50" charset="-127"/>
+                <a:ea typeface="나눔스퀘어 ExtraBold" panose="020B0600000101010101" pitchFamily="50" charset="-127"/>
+              </a:rPr>
+              <a:t>Jupyter</a:t>
+            </a:r>
             <a:r>
               <a:rPr lang="en-US" altLang="ko-KR" dirty="0">
                 <a:solidFill>
@@ -7260,7 +7199,7 @@
                 <a:latin typeface="나눔스퀘어 ExtraBold" panose="020B0600000101010101" pitchFamily="50" charset="-127"/>
                 <a:ea typeface="나눔스퀘어 ExtraBold" panose="020B0600000101010101" pitchFamily="50" charset="-127"/>
               </a:rPr>
-              <a:t>Build docs (.html) file via sphinx</a:t>
+              <a:t> notebook</a:t>
             </a:r>
           </a:p>
         </p:txBody>
@@ -7323,25 +7262,51 @@
               <a:t> notebook in project directory, and open </a:t>
             </a:r>
             <a:r>
-              <a:rPr lang="en-US" altLang="ko-KR" sz="1400" i="1" dirty="0" err="1">
+              <a:rPr lang="en-US" altLang="ko-KR" sz="1400" i="1" dirty="0">
                 <a:latin typeface="나눔스퀘어" panose="020B0600000101010101" pitchFamily="50" charset="-127"/>
                 <a:ea typeface="나눔스퀘어" panose="020B0600000101010101" pitchFamily="50" charset="-127"/>
               </a:rPr>
-              <a:t>ExampleCode.ipynb</a:t>
-            </a:r>
-            <a:endParaRPr lang="en-US" altLang="ko-KR" sz="1400" i="1" dirty="0">
-              <a:latin typeface="나눔스퀘어" panose="020B0600000101010101" pitchFamily="50" charset="-127"/>
-              <a:ea typeface="나눔스퀘어" panose="020B0600000101010101" pitchFamily="50" charset="-127"/>
-            </a:endParaRPr>
-          </a:p>
-        </p:txBody>
-      </p:sp>
-      <p:sp>
-        <p:nvSpPr>
-          <p:cNvPr id="11" name="직사각형 10">
-            <a:extLst>
-              <a:ext uri="{FF2B5EF4-FFF2-40B4-BE49-F238E27FC236}">
-                <a16:creationId xmlns:a16="http://schemas.microsoft.com/office/drawing/2014/main" id="{0F4D22D7-020E-4D6B-89A6-0CA3DA3B2608}"/>
+              <a:t>ExampleNRMK_IndyDCP3.ipynb</a:t>
+            </a:r>
+          </a:p>
+        </p:txBody>
+      </p:sp>
+      <p:pic>
+        <p:nvPicPr>
+          <p:cNvPr id="10" name="그림 9">
+            <a:extLst>
+              <a:ext uri="{FF2B5EF4-FFF2-40B4-BE49-F238E27FC236}">
+                <a16:creationId xmlns:a16="http://schemas.microsoft.com/office/drawing/2014/main" id="{E1B74B7C-3338-4DDD-A2AF-C7A0BDA23F99}"/>
+              </a:ext>
+            </a:extLst>
+          </p:cNvPr>
+          <p:cNvPicPr>
+            <a:picLocks noChangeAspect="1"/>
+          </p:cNvPicPr>
+          <p:nvPr/>
+        </p:nvPicPr>
+        <p:blipFill>
+          <a:blip r:embed="rId4"/>
+          <a:stretch>
+            <a:fillRect/>
+          </a:stretch>
+        </p:blipFill>
+        <p:spPr>
+          <a:xfrm>
+            <a:off x="383828" y="2449365"/>
+            <a:ext cx="7991475" cy="2771775"/>
+          </a:xfrm>
+          <a:prstGeom prst="rect">
+            <a:avLst/>
+          </a:prstGeom>
+        </p:spPr>
+      </p:pic>
+      <p:sp>
+        <p:nvSpPr>
+          <p:cNvPr id="13" name="직사각형 12">
+            <a:extLst>
+              <a:ext uri="{FF2B5EF4-FFF2-40B4-BE49-F238E27FC236}">
+                <a16:creationId xmlns:a16="http://schemas.microsoft.com/office/drawing/2014/main" id="{5C4ADD81-8B69-4252-ABAB-2B5F60B63F97}"/>
               </a:ext>
             </a:extLst>
           </p:cNvPr>
@@ -7350,8 +7315,8 @@
         </p:nvSpPr>
         <p:spPr>
           <a:xfrm>
-            <a:off x="671671" y="2346717"/>
-            <a:ext cx="6124783" cy="616291"/>
+            <a:off x="383828" y="3456355"/>
+            <a:ext cx="6230197" cy="268641"/>
           </a:xfrm>
           <a:prstGeom prst="rect">
             <a:avLst/>
@@ -7391,10 +7356,10 @@
       </p:sp>
       <p:sp>
         <p:nvSpPr>
-          <p:cNvPr id="10" name="사각형: 둥근 모서리 9">
-            <a:extLst>
-              <a:ext uri="{FF2B5EF4-FFF2-40B4-BE49-F238E27FC236}">
-                <a16:creationId xmlns:a16="http://schemas.microsoft.com/office/drawing/2014/main" id="{B4BC6427-BA39-4D95-8209-D757C3735FC6}"/>
+          <p:cNvPr id="11" name="직사각형 10">
+            <a:extLst>
+              <a:ext uri="{FF2B5EF4-FFF2-40B4-BE49-F238E27FC236}">
+                <a16:creationId xmlns:a16="http://schemas.microsoft.com/office/drawing/2014/main" id="{0F4D22D7-020E-4D6B-89A6-0CA3DA3B2608}"/>
               </a:ext>
             </a:extLst>
           </p:cNvPr>
@@ -7403,21 +7368,18 @@
         </p:nvSpPr>
         <p:spPr>
           <a:xfrm>
-            <a:off x="794763" y="5541767"/>
-            <a:ext cx="6315900" cy="794335"/>
-          </a:xfrm>
-          <a:prstGeom prst="roundRect">
+            <a:off x="9306790" y="4063425"/>
+            <a:ext cx="1964947" cy="298743"/>
+          </a:xfrm>
+          <a:prstGeom prst="rect">
             <a:avLst/>
           </a:prstGeom>
-          <a:solidFill>
-            <a:schemeClr val="bg1">
-              <a:lumMod val="95000"/>
-            </a:schemeClr>
-          </a:solidFill>
-          <a:ln w="28575">
+          <a:noFill/>
+          <a:ln w="38100">
             <a:solidFill>
-              <a:schemeClr val="tx1"/>
+              <a:srgbClr val="FF0000"/>
             </a:solidFill>
+            <a:prstDash val="sysDash"/>
           </a:ln>
         </p:spPr>
         <p:style>
@@ -7440,320 +7402,15 @@
           <a:bodyPr rtlCol="0" anchor="ctr"/>
           <a:lstStyle/>
           <a:p>
-            <a:r>
-              <a:rPr lang="en-US" altLang="ko-KR" sz="1400" dirty="0">
-                <a:solidFill>
-                  <a:schemeClr val="tx1"/>
-                </a:solidFill>
-                <a:latin typeface="나눔스퀘어" panose="020B0600000101010101" pitchFamily="50" charset="-127"/>
-                <a:ea typeface="나눔스퀘어" panose="020B0600000101010101" pitchFamily="50" charset="-127"/>
-              </a:rPr>
-              <a:t>&gt; cd docs</a:t>
-            </a:r>
-          </a:p>
-          <a:p>
-            <a:r>
-              <a:rPr lang="en-US" altLang="ko-KR" sz="1400" dirty="0">
-                <a:solidFill>
-                  <a:schemeClr val="tx1"/>
-                </a:solidFill>
-                <a:latin typeface="나눔스퀘어" panose="020B0600000101010101" pitchFamily="50" charset="-127"/>
-                <a:ea typeface="나눔스퀘어" panose="020B0600000101010101" pitchFamily="50" charset="-127"/>
-              </a:rPr>
-              <a:t>&gt; make html</a:t>
-            </a:r>
-            <a:endParaRPr lang="ko-KR" altLang="en-US" sz="1400" dirty="0">
-              <a:solidFill>
-                <a:schemeClr val="tx1"/>
-              </a:solidFill>
-              <a:latin typeface="나눔스퀘어" panose="020B0600000101010101" pitchFamily="50" charset="-127"/>
-              <a:ea typeface="나눔스퀘어" panose="020B0600000101010101" pitchFamily="50" charset="-127"/>
-            </a:endParaRPr>
+            <a:pPr algn="ctr"/>
+            <a:endParaRPr lang="ko-KR" altLang="en-US"/>
           </a:p>
         </p:txBody>
       </p:sp>
     </p:spTree>
     <p:extLst>
       <p:ext uri="{BB962C8B-B14F-4D97-AF65-F5344CB8AC3E}">
-        <p14:creationId xmlns:p14="http://schemas.microsoft.com/office/powerpoint/2010/main" val="1169346787"/>
-      </p:ext>
-    </p:extLst>
-  </p:cSld>
-  <p:clrMapOvr>
-    <a:masterClrMapping/>
-  </p:clrMapOvr>
-</p:sld>
-</file>
-
-<file path=ppt/slides/slide8.xml><?xml version="1.0" encoding="utf-8"?>
-<p:sld xmlns:a="http://schemas.openxmlformats.org/drawingml/2006/main" xmlns:r="http://schemas.openxmlformats.org/officeDocument/2006/relationships" xmlns:p="http://schemas.openxmlformats.org/presentationml/2006/main">
-  <p:cSld>
-    <p:spTree>
-      <p:nvGrpSpPr>
-        <p:cNvPr id="1" name=""/>
-        <p:cNvGrpSpPr/>
-        <p:nvPr/>
-      </p:nvGrpSpPr>
-      <p:grpSpPr>
-        <a:xfrm>
-          <a:off x="0" y="0"/>
-          <a:ext cx="0" cy="0"/>
-          <a:chOff x="0" y="0"/>
-          <a:chExt cx="0" cy="0"/>
-        </a:xfrm>
-      </p:grpSpPr>
-      <p:sp>
-        <p:nvSpPr>
-          <p:cNvPr id="4" name="슬라이드 번호 개체 틀 1">
-            <a:extLst>
-              <a:ext uri="{FF2B5EF4-FFF2-40B4-BE49-F238E27FC236}">
-                <a16:creationId xmlns:a16="http://schemas.microsoft.com/office/drawing/2014/main" id="{308BD0A2-55C4-4B35-BD52-0CFE1A5CE106}"/>
-              </a:ext>
-            </a:extLst>
-          </p:cNvPr>
-          <p:cNvSpPr>
-            <a:spLocks noGrp="1"/>
-          </p:cNvSpPr>
-          <p:nvPr>
-            <p:ph type="sldNum" sz="quarter" idx="12"/>
-          </p:nvPr>
-        </p:nvSpPr>
-        <p:spPr>
-          <a:xfrm>
-            <a:off x="9448800" y="6492875"/>
-            <a:ext cx="2743200" cy="365125"/>
-          </a:xfrm>
-        </p:spPr>
-        <p:txBody>
-          <a:bodyPr/>
-          <a:lstStyle/>
-          <a:p>
-            <a:fld id="{9946D8A4-261D-4F24-BBEA-490A8FB4DFB9}" type="slidenum">
-              <a:rPr lang="ko-KR" altLang="en-US" smtClean="0"/>
-              <a:t>8</a:t>
-            </a:fld>
-            <a:endParaRPr lang="ko-KR" altLang="en-US" dirty="0"/>
-          </a:p>
-        </p:txBody>
-      </p:sp>
-      <p:sp>
-        <p:nvSpPr>
-          <p:cNvPr id="5" name="제목 4">
-            <a:extLst>
-              <a:ext uri="{FF2B5EF4-FFF2-40B4-BE49-F238E27FC236}">
-                <a16:creationId xmlns:a16="http://schemas.microsoft.com/office/drawing/2014/main" id="{F68C0275-0DEB-4547-9809-C3379B27B83F}"/>
-              </a:ext>
-            </a:extLst>
-          </p:cNvPr>
-          <p:cNvSpPr txBox="1">
-            <a:spLocks/>
-          </p:cNvSpPr>
-          <p:nvPr/>
-        </p:nvSpPr>
-        <p:spPr>
-          <a:xfrm>
-            <a:off x="383828" y="347238"/>
-            <a:ext cx="11560522" cy="830392"/>
-          </a:xfrm>
-          <a:prstGeom prst="rect">
-            <a:avLst/>
-          </a:prstGeom>
-        </p:spPr>
-        <p:txBody>
-          <a:bodyPr>
-            <a:noAutofit/>
-          </a:bodyPr>
-          <a:lstStyle>
-            <a:lvl1pPr algn="l" defTabSz="914400" rtl="0" eaLnBrk="1" latinLnBrk="1" hangingPunct="1">
-              <a:lnSpc>
-                <a:spcPct val="90000"/>
-              </a:lnSpc>
-              <a:spcBef>
-                <a:spcPct val="0"/>
-              </a:spcBef>
-              <a:buNone/>
-              <a:defRPr sz="4400" kern="1200">
-                <a:solidFill>
-                  <a:schemeClr val="tx1"/>
-                </a:solidFill>
-                <a:latin typeface="+mj-lt"/>
-                <a:ea typeface="+mj-ea"/>
-                <a:cs typeface="+mj-cs"/>
-              </a:defRPr>
-            </a:lvl1pPr>
-          </a:lstStyle>
-          <a:p>
-            <a:pPr lvl="0">
-              <a:defRPr/>
-            </a:pPr>
-            <a:r>
-              <a:rPr lang="en-US" altLang="ko-KR" dirty="0">
-                <a:solidFill>
-                  <a:prstClr val="black"/>
-                </a:solidFill>
-                <a:latin typeface="나눔스퀘어 ExtraBold" panose="020B0600000101010101" pitchFamily="50" charset="-127"/>
-                <a:ea typeface="나눔스퀘어 ExtraBold" panose="020B0600000101010101" pitchFamily="50" charset="-127"/>
-              </a:rPr>
-              <a:t>3. Source Code Manual</a:t>
-            </a:r>
-          </a:p>
-        </p:txBody>
-      </p:sp>
-      <p:sp>
-        <p:nvSpPr>
-          <p:cNvPr id="7" name="TextBox 6">
-            <a:extLst>
-              <a:ext uri="{FF2B5EF4-FFF2-40B4-BE49-F238E27FC236}">
-                <a16:creationId xmlns:a16="http://schemas.microsoft.com/office/drawing/2014/main" id="{98965B6C-4EAD-4AC7-A3C1-FA39152BDFDC}"/>
-              </a:ext>
-            </a:extLst>
-          </p:cNvPr>
-          <p:cNvSpPr txBox="1"/>
-          <p:nvPr/>
-        </p:nvSpPr>
-        <p:spPr>
-          <a:xfrm>
-            <a:off x="383828" y="1183885"/>
-            <a:ext cx="11022934" cy="369332"/>
-          </a:xfrm>
-          <a:prstGeom prst="rect">
-            <a:avLst/>
-          </a:prstGeom>
-          <a:noFill/>
-        </p:spPr>
-        <p:txBody>
-          <a:bodyPr wrap="square">
-            <a:spAutoFit/>
-          </a:bodyPr>
-          <a:lstStyle/>
-          <a:p>
-            <a:r>
-              <a:rPr lang="en-US" altLang="ko-KR" dirty="0">
-                <a:solidFill>
-                  <a:prstClr val="black"/>
-                </a:solidFill>
-                <a:latin typeface="나눔스퀘어 ExtraBold" panose="020B0600000101010101" pitchFamily="50" charset="-127"/>
-                <a:ea typeface="나눔스퀘어 ExtraBold" panose="020B0600000101010101" pitchFamily="50" charset="-127"/>
-              </a:rPr>
-              <a:t>Build docs (.html) file via sphinx</a:t>
-            </a:r>
-          </a:p>
-        </p:txBody>
-      </p:sp>
-      <p:sp>
-        <p:nvSpPr>
-          <p:cNvPr id="9" name="직사각형 8">
-            <a:extLst>
-              <a:ext uri="{FF2B5EF4-FFF2-40B4-BE49-F238E27FC236}">
-                <a16:creationId xmlns:a16="http://schemas.microsoft.com/office/drawing/2014/main" id="{4E05F183-D635-412A-B602-EAC388CBD16C}"/>
-              </a:ext>
-            </a:extLst>
-          </p:cNvPr>
-          <p:cNvSpPr/>
-          <p:nvPr/>
-        </p:nvSpPr>
-        <p:spPr>
-          <a:xfrm>
-            <a:off x="383828" y="1596446"/>
-            <a:ext cx="10782187" cy="384401"/>
-          </a:xfrm>
-          <a:prstGeom prst="rect">
-            <a:avLst/>
-          </a:prstGeom>
-          <a:ln w="38100">
-            <a:noFill/>
-            <a:prstDash val="sysDash"/>
-          </a:ln>
-        </p:spPr>
-        <p:txBody>
-          <a:bodyPr wrap="square">
-            <a:spAutoFit/>
-          </a:bodyPr>
-          <a:lstStyle/>
-          <a:p>
-            <a:pPr>
-              <a:lnSpc>
-                <a:spcPct val="150000"/>
-              </a:lnSpc>
-            </a:pPr>
-            <a:r>
-              <a:rPr lang="en-US" altLang="ko-KR" sz="1400" dirty="0">
-                <a:latin typeface="나눔스퀘어" panose="020B0600000101010101" pitchFamily="50" charset="-127"/>
-                <a:ea typeface="나눔스퀘어" panose="020B0600000101010101" pitchFamily="50" charset="-127"/>
-              </a:rPr>
-              <a:t>② Then, you can open the source code manual in “docs/build/html/index.html”</a:t>
-            </a:r>
-            <a:endParaRPr lang="en-US" altLang="ko-KR" sz="1400" i="1" dirty="0">
-              <a:latin typeface="나눔스퀘어" panose="020B0600000101010101" pitchFamily="50" charset="-127"/>
-              <a:ea typeface="나눔스퀘어" panose="020B0600000101010101" pitchFamily="50" charset="-127"/>
-            </a:endParaRPr>
-          </a:p>
-        </p:txBody>
-      </p:sp>
-      <p:pic>
-        <p:nvPicPr>
-          <p:cNvPr id="3" name="그림 2">
-            <a:extLst>
-              <a:ext uri="{FF2B5EF4-FFF2-40B4-BE49-F238E27FC236}">
-                <a16:creationId xmlns:a16="http://schemas.microsoft.com/office/drawing/2014/main" id="{8AFE1F48-E1B5-4CB4-BCCF-EEA4CFBFBDDA}"/>
-              </a:ext>
-            </a:extLst>
-          </p:cNvPr>
-          <p:cNvPicPr>
-            <a:picLocks noChangeAspect="1"/>
-          </p:cNvPicPr>
-          <p:nvPr/>
-        </p:nvPicPr>
-        <p:blipFill>
-          <a:blip r:embed="rId3"/>
-          <a:stretch>
-            <a:fillRect/>
-          </a:stretch>
-        </p:blipFill>
-        <p:spPr>
-          <a:xfrm>
-            <a:off x="728828" y="2118945"/>
-            <a:ext cx="4273419" cy="4598377"/>
-          </a:xfrm>
-          <a:prstGeom prst="rect">
-            <a:avLst/>
-          </a:prstGeom>
-        </p:spPr>
-      </p:pic>
-    </p:spTree>
-    <p:extLst>
-      <p:ext uri="{BB962C8B-B14F-4D97-AF65-F5344CB8AC3E}">
-        <p14:creationId xmlns:p14="http://schemas.microsoft.com/office/powerpoint/2010/main" val="1323587945"/>
-      </p:ext>
-    </p:extLst>
-  </p:cSld>
-  <p:clrMapOvr>
-    <a:masterClrMapping/>
-  </p:clrMapOvr>
-</p:sld>
-</file>
-
-<file path=ppt/slides/slide9.xml><?xml version="1.0" encoding="utf-8"?>
-<p:sld xmlns:a="http://schemas.openxmlformats.org/drawingml/2006/main" xmlns:r="http://schemas.openxmlformats.org/officeDocument/2006/relationships" xmlns:p="http://schemas.openxmlformats.org/presentationml/2006/main">
-  <p:cSld>
-    <p:spTree>
-      <p:nvGrpSpPr>
-        <p:cNvPr id="1" name=""/>
-        <p:cNvGrpSpPr/>
-        <p:nvPr/>
-      </p:nvGrpSpPr>
-      <p:grpSpPr>
-        <a:xfrm>
-          <a:off x="0" y="0"/>
-          <a:ext cx="0" cy="0"/>
-          <a:chOff x="0" y="0"/>
-          <a:chExt cx="0" cy="0"/>
-        </a:xfrm>
-      </p:grpSpPr>
-    </p:spTree>
-    <p:extLst>
-      <p:ext uri="{BB962C8B-B14F-4D97-AF65-F5344CB8AC3E}">
-        <p14:creationId xmlns:p14="http://schemas.microsoft.com/office/powerpoint/2010/main" val="3932608410"/>
+        <p14:creationId xmlns:p14="http://schemas.microsoft.com/office/powerpoint/2010/main" val="1005171520"/>
       </p:ext>
     </p:extLst>
   </p:cSld>
